--- a/Getting Started with ASP.NET 5 in VS Code - RC1.pptx
+++ b/Getting Started with ASP.NET 5 in VS Code - RC1.pptx
@@ -127,7 +127,7 @@
   </p:defaultTextStyle>
   <p:extLst>
     <p:ext uri="{EFAFB233-063F-42B5-8137-9DF3F51BA10A}">
-      <p15:sldGuideLst xmlns:p15="http://schemas.microsoft.com/office/powerpoint/2012/main">
+      <p15:sldGuideLst xmlns:p15="http://schemas.microsoft.com/office/powerpoint/2012/main" xmlns="">
         <p15:guide id="1" orient="horz" pos="2160" userDrawn="1">
           <p15:clr>
             <a:srgbClr val="A4A3A4"/>
@@ -2438,14 +2438,14 @@
         <a:p>
           <a:pPr algn="ctr"/>
           <a:r>
-            <a:rPr lang="en-US" dirty="0" smtClean="0">
+            <a:rPr lang="en-US" b="1" dirty="0" smtClean="0">
               <a:solidFill>
                 <a:schemeClr val="bg1"/>
               </a:solidFill>
             </a:rPr>
             <a:t>DNX</a:t>
           </a:r>
-          <a:endParaRPr lang="en-US" dirty="0">
+          <a:endParaRPr lang="en-US" b="1" dirty="0">
             <a:solidFill>
               <a:schemeClr val="bg1"/>
             </a:solidFill>
@@ -2462,7 +2462,11 @@
         <a:p>
           <a:r>
             <a:rPr lang="en-US" dirty="0" smtClean="0"/>
-            <a:t>Full .NET Framework</a:t>
+            <a:t>.</a:t>
+          </a:r>
+          <a:r>
+            <a:rPr lang="en-US" dirty="0" smtClean="0"/>
+            <a:t>NET Framework</a:t>
           </a:r>
           <a:endParaRPr lang="en-US" dirty="0"/>
         </a:p>
@@ -2470,7 +2474,9 @@
     </dgm:pt>
     <dgm:pt modelId="{523E3F81-A7FD-41C6-AEFA-00BFD2D5C126}" type="parTrans" cxnId="{9ED1ECAC-6869-4938-B949-03E4C47B439C}">
       <dgm:prSet/>
-      <dgm:spPr/>
+      <dgm:spPr>
+        <a:ln w="25400"/>
+      </dgm:spPr>
       <dgm:t>
         <a:bodyPr/>
         <a:lstStyle/>
@@ -2511,7 +2517,9 @@
     </dgm:pt>
     <dgm:pt modelId="{4EEC8717-AA0F-49DE-8732-2508B3115DE0}" type="parTrans" cxnId="{E73B190F-1347-4C04-8548-5C81DA2F643E}">
       <dgm:prSet/>
-      <dgm:spPr/>
+      <dgm:spPr>
+        <a:ln w="25400"/>
+      </dgm:spPr>
       <dgm:t>
         <a:bodyPr/>
         <a:lstStyle/>
@@ -2552,7 +2560,9 @@
     </dgm:pt>
     <dgm:pt modelId="{CEA44938-41CA-4FE2-8E9C-87D351F742D9}" type="parTrans" cxnId="{D2F302EA-F5B3-42B6-BB80-C2F47D9A3D6E}">
       <dgm:prSet/>
-      <dgm:spPr/>
+      <dgm:spPr>
+        <a:ln w="25400"/>
+      </dgm:spPr>
       <dgm:t>
         <a:bodyPr/>
         <a:lstStyle/>
@@ -3328,11 +3338,7 @@
           </a:r>
           <a:r>
             <a:rPr lang="en-US" dirty="0" smtClean="0"/>
-            <a:t> </a:t>
-          </a:r>
-          <a:r>
-            <a:rPr lang="en-US" dirty="0" smtClean="0"/>
-            <a:t>CLI</a:t>
+            <a:t> CLI</a:t>
           </a:r>
           <a:endParaRPr lang="en-US" dirty="0"/>
         </a:p>
@@ -3519,15 +3525,9 @@
           </a:pathLst>
         </a:custGeom>
         <a:noFill/>
-        <a:ln w="19050" cap="rnd" cmpd="sng" algn="ctr">
+        <a:ln w="25400" cap="rnd" cmpd="sng" algn="ctr">
           <a:solidFill>
-            <a:schemeClr val="accent1">
-              <a:shade val="60000"/>
-              <a:hueOff val="0"/>
-              <a:satOff val="0"/>
-              <a:lumOff val="0"/>
-              <a:alphaOff val="0"/>
-            </a:schemeClr>
+            <a:scrgbClr r="0" g="0" b="0"/>
           </a:solidFill>
           <a:prstDash val="solid"/>
         </a:ln>
@@ -3580,15 +3580,9 @@
           </a:pathLst>
         </a:custGeom>
         <a:noFill/>
-        <a:ln w="19050" cap="rnd" cmpd="sng" algn="ctr">
+        <a:ln w="25400" cap="rnd" cmpd="sng" algn="ctr">
           <a:solidFill>
-            <a:schemeClr val="accent1">
-              <a:shade val="60000"/>
-              <a:hueOff val="0"/>
-              <a:satOff val="0"/>
-              <a:lumOff val="0"/>
-              <a:alphaOff val="0"/>
-            </a:schemeClr>
+            <a:scrgbClr r="0" g="0" b="0"/>
           </a:solidFill>
           <a:prstDash val="solid"/>
         </a:ln>
@@ -3641,15 +3635,9 @@
           </a:pathLst>
         </a:custGeom>
         <a:noFill/>
-        <a:ln w="19050" cap="rnd" cmpd="sng" algn="ctr">
+        <a:ln w="25400" cap="rnd" cmpd="sng" algn="ctr">
           <a:solidFill>
-            <a:schemeClr val="accent1">
-              <a:shade val="60000"/>
-              <a:hueOff val="0"/>
-              <a:satOff val="0"/>
-              <a:lumOff val="0"/>
-              <a:alphaOff val="0"/>
-            </a:schemeClr>
+            <a:scrgbClr r="0" g="0" b="0"/>
           </a:solidFill>
           <a:prstDash val="solid"/>
         </a:ln>
@@ -3804,14 +3792,14 @@
             </a:spcAft>
           </a:pPr>
           <a:r>
-            <a:rPr lang="en-US" sz="2700" kern="1200" dirty="0" smtClean="0">
+            <a:rPr lang="en-US" sz="2700" b="1" kern="1200" dirty="0" smtClean="0">
               <a:solidFill>
                 <a:schemeClr val="bg1"/>
               </a:solidFill>
             </a:rPr>
             <a:t>DNX</a:t>
           </a:r>
-          <a:endParaRPr lang="en-US" sz="2700" kern="1200" dirty="0">
+          <a:endParaRPr lang="en-US" sz="2700" b="1" kern="1200" dirty="0">
             <a:solidFill>
               <a:schemeClr val="bg1"/>
             </a:solidFill>
@@ -3890,7 +3878,11 @@
           </a:pPr>
           <a:r>
             <a:rPr lang="en-US" sz="3600" kern="1200" dirty="0" smtClean="0"/>
-            <a:t>Full .NET Framework</a:t>
+            <a:t>.</a:t>
+          </a:r>
+          <a:r>
+            <a:rPr lang="en-US" sz="3600" kern="1200" dirty="0" smtClean="0"/>
+            <a:t>NET Framework</a:t>
           </a:r>
           <a:endParaRPr lang="en-US" sz="3600" kern="1200" dirty="0"/>
         </a:p>
@@ -4294,373 +4286,6 @@
       <dsp:cNvGrpSpPr/>
     </dsp:nvGrpSpPr>
     <dsp:grpSpPr/>
-    <dsp:sp modelId="{A746EB11-4E99-4B13-AEEF-24EDCB1826B8}">
-      <dsp:nvSpPr>
-        <dsp:cNvPr id="0" name=""/>
-        <dsp:cNvSpPr/>
-      </dsp:nvSpPr>
-      <dsp:spPr>
-        <a:xfrm>
-          <a:off x="1366" y="1803466"/>
-          <a:ext cx="1811734" cy="1811734"/>
-        </a:xfrm>
-        <a:prstGeom prst="ellipse">
-          <a:avLst/>
-        </a:prstGeom>
-        <a:solidFill>
-          <a:schemeClr val="accent1">
-            <a:hueOff val="0"/>
-            <a:satOff val="0"/>
-            <a:lumOff val="0"/>
-            <a:alphaOff val="0"/>
-          </a:schemeClr>
-        </a:solidFill>
-        <a:ln w="19050" cap="rnd" cmpd="sng" algn="ctr">
-          <a:solidFill>
-            <a:schemeClr val="lt1">
-              <a:hueOff val="0"/>
-              <a:satOff val="0"/>
-              <a:lumOff val="0"/>
-              <a:alphaOff val="0"/>
-            </a:schemeClr>
-          </a:solidFill>
-          <a:prstDash val="solid"/>
-        </a:ln>
-        <a:effectLst/>
-      </dsp:spPr>
-      <dsp:style>
-        <a:lnRef idx="2">
-          <a:scrgbClr r="0" g="0" b="0"/>
-        </a:lnRef>
-        <a:fillRef idx="1">
-          <a:scrgbClr r="0" g="0" b="0"/>
-        </a:fillRef>
-        <a:effectRef idx="0">
-          <a:scrgbClr r="0" g="0" b="0"/>
-        </a:effectRef>
-        <a:fontRef idx="minor">
-          <a:schemeClr val="lt1"/>
-        </a:fontRef>
-      </dsp:style>
-      <dsp:txBody>
-        <a:bodyPr spcFirstLastPara="0" vert="horz" wrap="square" lIns="25400" tIns="25400" rIns="25400" bIns="25400" numCol="1" spcCol="1270" anchor="ctr" anchorCtr="0">
-          <a:noAutofit/>
-        </a:bodyPr>
-        <a:lstStyle/>
-        <a:p>
-          <a:pPr lvl="0" algn="ctr" defTabSz="889000">
-            <a:lnSpc>
-              <a:spcPct val="90000"/>
-            </a:lnSpc>
-            <a:spcBef>
-              <a:spcPct val="0"/>
-            </a:spcBef>
-            <a:spcAft>
-              <a:spcPct val="35000"/>
-            </a:spcAft>
-          </a:pPr>
-          <a:r>
-            <a:rPr lang="en-US" sz="2000" kern="1200" dirty="0" err="1" smtClean="0"/>
-            <a:t>OmniSharp</a:t>
-          </a:r>
-          <a:endParaRPr lang="en-US" sz="2000" kern="1200" dirty="0"/>
-        </a:p>
-      </dsp:txBody>
-      <dsp:txXfrm>
-        <a:off x="266688" y="2068788"/>
-        <a:ext cx="1281090" cy="1281090"/>
-      </dsp:txXfrm>
-    </dsp:sp>
-    <dsp:sp modelId="{99021CD3-1159-400A-919E-59EF40167229}">
-      <dsp:nvSpPr>
-        <dsp:cNvPr id="0" name=""/>
-        <dsp:cNvSpPr/>
-      </dsp:nvSpPr>
-      <dsp:spPr>
-        <a:xfrm>
-          <a:off x="1960214" y="2183930"/>
-          <a:ext cx="1050805" cy="1050805"/>
-        </a:xfrm>
-        <a:prstGeom prst="mathPlus">
-          <a:avLst/>
-        </a:prstGeom>
-        <a:solidFill>
-          <a:schemeClr val="accent1">
-            <a:tint val="60000"/>
-            <a:hueOff val="0"/>
-            <a:satOff val="0"/>
-            <a:lumOff val="0"/>
-            <a:alphaOff val="0"/>
-          </a:schemeClr>
-        </a:solidFill>
-        <a:ln>
-          <a:noFill/>
-        </a:ln>
-        <a:effectLst/>
-      </dsp:spPr>
-      <dsp:style>
-        <a:lnRef idx="0">
-          <a:scrgbClr r="0" g="0" b="0"/>
-        </a:lnRef>
-        <a:fillRef idx="1">
-          <a:scrgbClr r="0" g="0" b="0"/>
-        </a:fillRef>
-        <a:effectRef idx="0">
-          <a:scrgbClr r="0" g="0" b="0"/>
-        </a:effectRef>
-        <a:fontRef idx="minor">
-          <a:schemeClr val="lt1"/>
-        </a:fontRef>
-      </dsp:style>
-      <dsp:txBody>
-        <a:bodyPr spcFirstLastPara="0" vert="horz" wrap="square" lIns="0" tIns="0" rIns="0" bIns="0" numCol="1" spcCol="1270" anchor="ctr" anchorCtr="0">
-          <a:noAutofit/>
-        </a:bodyPr>
-        <a:lstStyle/>
-        <a:p>
-          <a:pPr lvl="0" algn="ctr" defTabSz="711200">
-            <a:lnSpc>
-              <a:spcPct val="90000"/>
-            </a:lnSpc>
-            <a:spcBef>
-              <a:spcPct val="0"/>
-            </a:spcBef>
-            <a:spcAft>
-              <a:spcPct val="35000"/>
-            </a:spcAft>
-          </a:pPr>
-          <a:endParaRPr lang="en-US" sz="1600" kern="1200"/>
-        </a:p>
-      </dsp:txBody>
-      <dsp:txXfrm>
-        <a:off x="2099498" y="2585758"/>
-        <a:ext cx="772237" cy="247149"/>
-      </dsp:txXfrm>
-    </dsp:sp>
-    <dsp:sp modelId="{2BDF25E0-CBF6-4302-B6F7-03617650C5D2}">
-      <dsp:nvSpPr>
-        <dsp:cNvPr id="0" name=""/>
-        <dsp:cNvSpPr/>
-      </dsp:nvSpPr>
-      <dsp:spPr>
-        <a:xfrm>
-          <a:off x="3158132" y="1803466"/>
-          <a:ext cx="1811734" cy="1811734"/>
-        </a:xfrm>
-        <a:prstGeom prst="ellipse">
-          <a:avLst/>
-        </a:prstGeom>
-        <a:solidFill>
-          <a:schemeClr val="accent1">
-            <a:hueOff val="0"/>
-            <a:satOff val="0"/>
-            <a:lumOff val="0"/>
-            <a:alphaOff val="0"/>
-          </a:schemeClr>
-        </a:solidFill>
-        <a:ln w="19050" cap="rnd" cmpd="sng" algn="ctr">
-          <a:solidFill>
-            <a:schemeClr val="lt1">
-              <a:hueOff val="0"/>
-              <a:satOff val="0"/>
-              <a:lumOff val="0"/>
-              <a:alphaOff val="0"/>
-            </a:schemeClr>
-          </a:solidFill>
-          <a:prstDash val="solid"/>
-        </a:ln>
-        <a:effectLst/>
-      </dsp:spPr>
-      <dsp:style>
-        <a:lnRef idx="2">
-          <a:scrgbClr r="0" g="0" b="0"/>
-        </a:lnRef>
-        <a:fillRef idx="1">
-          <a:scrgbClr r="0" g="0" b="0"/>
-        </a:fillRef>
-        <a:effectRef idx="0">
-          <a:scrgbClr r="0" g="0" b="0"/>
-        </a:effectRef>
-        <a:fontRef idx="minor">
-          <a:schemeClr val="lt1"/>
-        </a:fontRef>
-      </dsp:style>
-      <dsp:txBody>
-        <a:bodyPr spcFirstLastPara="0" vert="horz" wrap="square" lIns="25400" tIns="25400" rIns="25400" bIns="25400" numCol="1" spcCol="1270" anchor="ctr" anchorCtr="0">
-          <a:noAutofit/>
-        </a:bodyPr>
-        <a:lstStyle/>
-        <a:p>
-          <a:pPr lvl="0" algn="ctr" defTabSz="889000">
-            <a:lnSpc>
-              <a:spcPct val="90000"/>
-            </a:lnSpc>
-            <a:spcBef>
-              <a:spcPct val="0"/>
-            </a:spcBef>
-            <a:spcAft>
-              <a:spcPct val="35000"/>
-            </a:spcAft>
-          </a:pPr>
-          <a:r>
-            <a:rPr lang="en-US" sz="2000" kern="1200" dirty="0" smtClean="0"/>
-            <a:t>Yeoman</a:t>
-          </a:r>
-          <a:endParaRPr lang="en-US" sz="2000" kern="1200" dirty="0"/>
-        </a:p>
-      </dsp:txBody>
-      <dsp:txXfrm>
-        <a:off x="3423454" y="2068788"/>
-        <a:ext cx="1281090" cy="1281090"/>
-      </dsp:txXfrm>
-    </dsp:sp>
-    <dsp:sp modelId="{0CEB9DC7-5783-4ACD-BCD5-4EF3BE321E8C}">
-      <dsp:nvSpPr>
-        <dsp:cNvPr id="0" name=""/>
-        <dsp:cNvSpPr/>
-      </dsp:nvSpPr>
-      <dsp:spPr>
-        <a:xfrm>
-          <a:off x="5116980" y="2183930"/>
-          <a:ext cx="1050805" cy="1050805"/>
-        </a:xfrm>
-        <a:prstGeom prst="mathEqual">
-          <a:avLst/>
-        </a:prstGeom>
-        <a:solidFill>
-          <a:schemeClr val="accent1">
-            <a:tint val="60000"/>
-            <a:hueOff val="0"/>
-            <a:satOff val="0"/>
-            <a:lumOff val="0"/>
-            <a:alphaOff val="0"/>
-          </a:schemeClr>
-        </a:solidFill>
-        <a:ln>
-          <a:noFill/>
-        </a:ln>
-        <a:effectLst/>
-      </dsp:spPr>
-      <dsp:style>
-        <a:lnRef idx="0">
-          <a:scrgbClr r="0" g="0" b="0"/>
-        </a:lnRef>
-        <a:fillRef idx="1">
-          <a:scrgbClr r="0" g="0" b="0"/>
-        </a:fillRef>
-        <a:effectRef idx="0">
-          <a:scrgbClr r="0" g="0" b="0"/>
-        </a:effectRef>
-        <a:fontRef idx="minor">
-          <a:schemeClr val="lt1"/>
-        </a:fontRef>
-      </dsp:style>
-      <dsp:txBody>
-        <a:bodyPr spcFirstLastPara="0" vert="horz" wrap="square" lIns="0" tIns="0" rIns="0" bIns="0" numCol="1" spcCol="1270" anchor="ctr" anchorCtr="0">
-          <a:noAutofit/>
-        </a:bodyPr>
-        <a:lstStyle/>
-        <a:p>
-          <a:pPr lvl="0" algn="ctr" defTabSz="711200">
-            <a:lnSpc>
-              <a:spcPct val="90000"/>
-            </a:lnSpc>
-            <a:spcBef>
-              <a:spcPct val="0"/>
-            </a:spcBef>
-            <a:spcAft>
-              <a:spcPct val="35000"/>
-            </a:spcAft>
-          </a:pPr>
-          <a:endParaRPr lang="en-US" sz="1600" kern="1200"/>
-        </a:p>
-      </dsp:txBody>
-      <dsp:txXfrm>
-        <a:off x="5256264" y="2400396"/>
-        <a:ext cx="772237" cy="617873"/>
-      </dsp:txXfrm>
-    </dsp:sp>
-    <dsp:sp modelId="{935B9248-D5AC-4608-BFDB-4CC18A641197}">
-      <dsp:nvSpPr>
-        <dsp:cNvPr id="0" name=""/>
-        <dsp:cNvSpPr/>
-      </dsp:nvSpPr>
-      <dsp:spPr>
-        <a:xfrm>
-          <a:off x="6314898" y="1803466"/>
-          <a:ext cx="1811734" cy="1811734"/>
-        </a:xfrm>
-        <a:prstGeom prst="ellipse">
-          <a:avLst/>
-        </a:prstGeom>
-        <a:solidFill>
-          <a:schemeClr val="accent1">
-            <a:hueOff val="0"/>
-            <a:satOff val="0"/>
-            <a:lumOff val="0"/>
-            <a:alphaOff val="0"/>
-          </a:schemeClr>
-        </a:solidFill>
-        <a:ln w="19050" cap="rnd" cmpd="sng" algn="ctr">
-          <a:solidFill>
-            <a:schemeClr val="lt1">
-              <a:hueOff val="0"/>
-              <a:satOff val="0"/>
-              <a:lumOff val="0"/>
-              <a:alphaOff val="0"/>
-            </a:schemeClr>
-          </a:solidFill>
-          <a:prstDash val="solid"/>
-        </a:ln>
-        <a:effectLst/>
-      </dsp:spPr>
-      <dsp:style>
-        <a:lnRef idx="2">
-          <a:scrgbClr r="0" g="0" b="0"/>
-        </a:lnRef>
-        <a:fillRef idx="1">
-          <a:scrgbClr r="0" g="0" b="0"/>
-        </a:fillRef>
-        <a:effectRef idx="0">
-          <a:scrgbClr r="0" g="0" b="0"/>
-        </a:effectRef>
-        <a:fontRef idx="minor">
-          <a:schemeClr val="lt1"/>
-        </a:fontRef>
-      </dsp:style>
-      <dsp:txBody>
-        <a:bodyPr spcFirstLastPara="0" vert="horz" wrap="square" lIns="25400" tIns="25400" rIns="25400" bIns="25400" numCol="1" spcCol="1270" anchor="ctr" anchorCtr="0">
-          <a:noAutofit/>
-        </a:bodyPr>
-        <a:lstStyle/>
-        <a:p>
-          <a:pPr lvl="0" algn="ctr" defTabSz="889000">
-            <a:lnSpc>
-              <a:spcPct val="90000"/>
-            </a:lnSpc>
-            <a:spcBef>
-              <a:spcPct val="0"/>
-            </a:spcBef>
-            <a:spcAft>
-              <a:spcPct val="35000"/>
-            </a:spcAft>
-          </a:pPr>
-          <a:r>
-            <a:rPr lang="en-US" sz="2000" kern="1200" dirty="0" smtClean="0"/>
-            <a:t>generator-</a:t>
-          </a:r>
-          <a:r>
-            <a:rPr lang="en-US" sz="2000" kern="1200" dirty="0" err="1" smtClean="0"/>
-            <a:t>aspnet</a:t>
-          </a:r>
-          <a:endParaRPr lang="en-US" sz="2000" kern="1200" dirty="0"/>
-        </a:p>
-      </dsp:txBody>
-      <dsp:txXfrm>
-        <a:off x="6580220" y="2068788"/>
-        <a:ext cx="1281090" cy="1281090"/>
-      </dsp:txXfrm>
-    </dsp:sp>
   </dsp:spTree>
 </dsp:drawing>
 </file>
@@ -4673,442 +4298,6 @@
       <dsp:cNvGrpSpPr/>
     </dsp:nvGrpSpPr>
     <dsp:grpSpPr/>
-    <dsp:sp modelId="{A1B8E387-8D9B-44C2-8C10-A0878F4BCBA5}">
-      <dsp:nvSpPr>
-        <dsp:cNvPr id="0" name=""/>
-        <dsp:cNvSpPr/>
-      </dsp:nvSpPr>
-      <dsp:spPr>
-        <a:xfrm>
-          <a:off x="1872826" y="220133"/>
-          <a:ext cx="4368800" cy="1517226"/>
-        </a:xfrm>
-        <a:prstGeom prst="ellipse">
-          <a:avLst/>
-        </a:prstGeom>
-        <a:solidFill>
-          <a:schemeClr val="accent1">
-            <a:tint val="50000"/>
-            <a:alpha val="40000"/>
-            <a:hueOff val="0"/>
-            <a:satOff val="0"/>
-            <a:lumOff val="0"/>
-            <a:alphaOff val="0"/>
-          </a:schemeClr>
-        </a:solidFill>
-        <a:ln>
-          <a:noFill/>
-        </a:ln>
-        <a:effectLst/>
-      </dsp:spPr>
-      <dsp:style>
-        <a:lnRef idx="0">
-          <a:scrgbClr r="0" g="0" b="0"/>
-        </a:lnRef>
-        <a:fillRef idx="1">
-          <a:scrgbClr r="0" g="0" b="0"/>
-        </a:fillRef>
-        <a:effectRef idx="0">
-          <a:scrgbClr r="0" g="0" b="0"/>
-        </a:effectRef>
-        <a:fontRef idx="minor"/>
-      </dsp:style>
-    </dsp:sp>
-    <dsp:sp modelId="{0E603398-1A32-447A-A475-9378CFFE704C}">
-      <dsp:nvSpPr>
-        <dsp:cNvPr id="0" name=""/>
-        <dsp:cNvSpPr/>
-      </dsp:nvSpPr>
-      <dsp:spPr>
-        <a:xfrm>
-          <a:off x="3640666" y="3935306"/>
-          <a:ext cx="846666" cy="541866"/>
-        </a:xfrm>
-        <a:prstGeom prst="downArrow">
-          <a:avLst/>
-        </a:prstGeom>
-        <a:solidFill>
-          <a:schemeClr val="accent1">
-            <a:tint val="60000"/>
-            <a:hueOff val="0"/>
-            <a:satOff val="0"/>
-            <a:lumOff val="0"/>
-            <a:alphaOff val="0"/>
-          </a:schemeClr>
-        </a:solidFill>
-        <a:ln w="19050" cap="rnd" cmpd="sng" algn="ctr">
-          <a:solidFill>
-            <a:schemeClr val="lt1">
-              <a:hueOff val="0"/>
-              <a:satOff val="0"/>
-              <a:lumOff val="0"/>
-              <a:alphaOff val="0"/>
-            </a:schemeClr>
-          </a:solidFill>
-          <a:prstDash val="solid"/>
-        </a:ln>
-        <a:effectLst/>
-      </dsp:spPr>
-      <dsp:style>
-        <a:lnRef idx="2">
-          <a:scrgbClr r="0" g="0" b="0"/>
-        </a:lnRef>
-        <a:fillRef idx="1">
-          <a:scrgbClr r="0" g="0" b="0"/>
-        </a:fillRef>
-        <a:effectRef idx="0">
-          <a:scrgbClr r="0" g="0" b="0"/>
-        </a:effectRef>
-        <a:fontRef idx="minor"/>
-      </dsp:style>
-    </dsp:sp>
-    <dsp:sp modelId="{7064439C-79BF-4007-8305-264DEF8B33A8}">
-      <dsp:nvSpPr>
-        <dsp:cNvPr id="0" name=""/>
-        <dsp:cNvSpPr/>
-      </dsp:nvSpPr>
-      <dsp:spPr>
-        <a:xfrm>
-          <a:off x="2031999" y="4368800"/>
-          <a:ext cx="4064000" cy="1016000"/>
-        </a:xfrm>
-        <a:prstGeom prst="rect">
-          <a:avLst/>
-        </a:prstGeom>
-        <a:noFill/>
-        <a:ln>
-          <a:noFill/>
-        </a:ln>
-        <a:effectLst/>
-      </dsp:spPr>
-      <dsp:style>
-        <a:lnRef idx="0">
-          <a:scrgbClr r="0" g="0" b="0"/>
-        </a:lnRef>
-        <a:fillRef idx="0">
-          <a:scrgbClr r="0" g="0" b="0"/>
-        </a:fillRef>
-        <a:effectRef idx="0">
-          <a:scrgbClr r="0" g="0" b="0"/>
-        </a:effectRef>
-        <a:fontRef idx="minor"/>
-      </dsp:style>
-      <dsp:txBody>
-        <a:bodyPr spcFirstLastPara="0" vert="horz" wrap="square" lIns="256032" tIns="256032" rIns="256032" bIns="256032" numCol="1" spcCol="1270" anchor="ctr" anchorCtr="0">
-          <a:noAutofit/>
-        </a:bodyPr>
-        <a:lstStyle/>
-        <a:p>
-          <a:pPr lvl="0" algn="ctr" defTabSz="1600200">
-            <a:lnSpc>
-              <a:spcPct val="90000"/>
-            </a:lnSpc>
-            <a:spcBef>
-              <a:spcPct val="0"/>
-            </a:spcBef>
-            <a:spcAft>
-              <a:spcPct val="35000"/>
-            </a:spcAft>
-          </a:pPr>
-          <a:r>
-            <a:rPr lang="en-US" sz="3600" kern="1200" dirty="0" err="1" smtClean="0"/>
-            <a:t>dotnet</a:t>
-          </a:r>
-          <a:r>
-            <a:rPr lang="en-US" sz="3600" kern="1200" dirty="0" smtClean="0"/>
-            <a:t> </a:t>
-          </a:r>
-          <a:r>
-            <a:rPr lang="en-US" sz="3600" kern="1200" dirty="0" smtClean="0"/>
-            <a:t>CLI</a:t>
-          </a:r>
-          <a:endParaRPr lang="en-US" sz="3600" kern="1200" dirty="0"/>
-        </a:p>
-      </dsp:txBody>
-      <dsp:txXfrm>
-        <a:off x="2031999" y="4368800"/>
-        <a:ext cx="4064000" cy="1016000"/>
-      </dsp:txXfrm>
-    </dsp:sp>
-    <dsp:sp modelId="{B19AC436-4DF8-4C08-926C-D50DB9D12085}">
-      <dsp:nvSpPr>
-        <dsp:cNvPr id="0" name=""/>
-        <dsp:cNvSpPr/>
-      </dsp:nvSpPr>
-      <dsp:spPr>
-        <a:xfrm>
-          <a:off x="3461173" y="1854538"/>
-          <a:ext cx="1524000" cy="1524000"/>
-        </a:xfrm>
-        <a:prstGeom prst="ellipse">
-          <a:avLst/>
-        </a:prstGeom>
-        <a:solidFill>
-          <a:schemeClr val="accent1">
-            <a:hueOff val="0"/>
-            <a:satOff val="0"/>
-            <a:lumOff val="0"/>
-            <a:alphaOff val="0"/>
-          </a:schemeClr>
-        </a:solidFill>
-        <a:ln w="19050" cap="rnd" cmpd="sng" algn="ctr">
-          <a:solidFill>
-            <a:schemeClr val="lt1">
-              <a:hueOff val="0"/>
-              <a:satOff val="0"/>
-              <a:lumOff val="0"/>
-              <a:alphaOff val="0"/>
-            </a:schemeClr>
-          </a:solidFill>
-          <a:prstDash val="solid"/>
-        </a:ln>
-        <a:effectLst/>
-      </dsp:spPr>
-      <dsp:style>
-        <a:lnRef idx="2">
-          <a:scrgbClr r="0" g="0" b="0"/>
-        </a:lnRef>
-        <a:fillRef idx="1">
-          <a:scrgbClr r="0" g="0" b="0"/>
-        </a:fillRef>
-        <a:effectRef idx="0">
-          <a:scrgbClr r="0" g="0" b="0"/>
-        </a:effectRef>
-        <a:fontRef idx="minor">
-          <a:schemeClr val="lt1"/>
-        </a:fontRef>
-      </dsp:style>
-      <dsp:txBody>
-        <a:bodyPr spcFirstLastPara="0" vert="horz" wrap="square" lIns="38100" tIns="38100" rIns="38100" bIns="38100" numCol="1" spcCol="1270" anchor="ctr" anchorCtr="0">
-          <a:noAutofit/>
-        </a:bodyPr>
-        <a:lstStyle/>
-        <a:p>
-          <a:pPr lvl="0" algn="ctr" defTabSz="1333500">
-            <a:lnSpc>
-              <a:spcPct val="90000"/>
-            </a:lnSpc>
-            <a:spcBef>
-              <a:spcPct val="0"/>
-            </a:spcBef>
-            <a:spcAft>
-              <a:spcPct val="35000"/>
-            </a:spcAft>
-          </a:pPr>
-          <a:r>
-            <a:rPr lang="en-US" sz="3000" kern="1200" dirty="0" smtClean="0"/>
-            <a:t>DNVM</a:t>
-          </a:r>
-          <a:endParaRPr lang="en-US" sz="3000" kern="1200" dirty="0"/>
-        </a:p>
-      </dsp:txBody>
-      <dsp:txXfrm>
-        <a:off x="3684358" y="2077723"/>
-        <a:ext cx="1077630" cy="1077630"/>
-      </dsp:txXfrm>
-    </dsp:sp>
-    <dsp:sp modelId="{8CDB8FD0-72FA-499C-B88E-4E068EA69195}">
-      <dsp:nvSpPr>
-        <dsp:cNvPr id="0" name=""/>
-        <dsp:cNvSpPr/>
-      </dsp:nvSpPr>
-      <dsp:spPr>
-        <a:xfrm>
-          <a:off x="2370666" y="711200"/>
-          <a:ext cx="1524000" cy="1524000"/>
-        </a:xfrm>
-        <a:prstGeom prst="ellipse">
-          <a:avLst/>
-        </a:prstGeom>
-        <a:solidFill>
-          <a:schemeClr val="accent1">
-            <a:hueOff val="0"/>
-            <a:satOff val="0"/>
-            <a:lumOff val="0"/>
-            <a:alphaOff val="0"/>
-          </a:schemeClr>
-        </a:solidFill>
-        <a:ln w="19050" cap="rnd" cmpd="sng" algn="ctr">
-          <a:solidFill>
-            <a:schemeClr val="lt1">
-              <a:hueOff val="0"/>
-              <a:satOff val="0"/>
-              <a:lumOff val="0"/>
-              <a:alphaOff val="0"/>
-            </a:schemeClr>
-          </a:solidFill>
-          <a:prstDash val="solid"/>
-        </a:ln>
-        <a:effectLst/>
-      </dsp:spPr>
-      <dsp:style>
-        <a:lnRef idx="2">
-          <a:scrgbClr r="0" g="0" b="0"/>
-        </a:lnRef>
-        <a:fillRef idx="1">
-          <a:scrgbClr r="0" g="0" b="0"/>
-        </a:fillRef>
-        <a:effectRef idx="0">
-          <a:scrgbClr r="0" g="0" b="0"/>
-        </a:effectRef>
-        <a:fontRef idx="minor">
-          <a:schemeClr val="lt1"/>
-        </a:fontRef>
-      </dsp:style>
-      <dsp:txBody>
-        <a:bodyPr spcFirstLastPara="0" vert="horz" wrap="square" lIns="38100" tIns="38100" rIns="38100" bIns="38100" numCol="1" spcCol="1270" anchor="ctr" anchorCtr="0">
-          <a:noAutofit/>
-        </a:bodyPr>
-        <a:lstStyle/>
-        <a:p>
-          <a:pPr lvl="0" algn="ctr" defTabSz="1333500">
-            <a:lnSpc>
-              <a:spcPct val="90000"/>
-            </a:lnSpc>
-            <a:spcBef>
-              <a:spcPct val="0"/>
-            </a:spcBef>
-            <a:spcAft>
-              <a:spcPct val="35000"/>
-            </a:spcAft>
-          </a:pPr>
-          <a:r>
-            <a:rPr lang="en-US" sz="3000" kern="1200" dirty="0" smtClean="0"/>
-            <a:t>DNX</a:t>
-          </a:r>
-          <a:endParaRPr lang="en-US" sz="3000" kern="1200" dirty="0"/>
-        </a:p>
-      </dsp:txBody>
-      <dsp:txXfrm>
-        <a:off x="2593851" y="934385"/>
-        <a:ext cx="1077630" cy="1077630"/>
-      </dsp:txXfrm>
-    </dsp:sp>
-    <dsp:sp modelId="{71F14A9E-0840-46B5-8EF7-0D0179E9C58E}">
-      <dsp:nvSpPr>
-        <dsp:cNvPr id="0" name=""/>
-        <dsp:cNvSpPr/>
-      </dsp:nvSpPr>
-      <dsp:spPr>
-        <a:xfrm>
-          <a:off x="3928533" y="342730"/>
-          <a:ext cx="1524000" cy="1524000"/>
-        </a:xfrm>
-        <a:prstGeom prst="ellipse">
-          <a:avLst/>
-        </a:prstGeom>
-        <a:solidFill>
-          <a:schemeClr val="accent1">
-            <a:hueOff val="0"/>
-            <a:satOff val="0"/>
-            <a:lumOff val="0"/>
-            <a:alphaOff val="0"/>
-          </a:schemeClr>
-        </a:solidFill>
-        <a:ln w="19050" cap="rnd" cmpd="sng" algn="ctr">
-          <a:solidFill>
-            <a:schemeClr val="lt1">
-              <a:hueOff val="0"/>
-              <a:satOff val="0"/>
-              <a:lumOff val="0"/>
-              <a:alphaOff val="0"/>
-            </a:schemeClr>
-          </a:solidFill>
-          <a:prstDash val="solid"/>
-        </a:ln>
-        <a:effectLst/>
-      </dsp:spPr>
-      <dsp:style>
-        <a:lnRef idx="2">
-          <a:scrgbClr r="0" g="0" b="0"/>
-        </a:lnRef>
-        <a:fillRef idx="1">
-          <a:scrgbClr r="0" g="0" b="0"/>
-        </a:fillRef>
-        <a:effectRef idx="0">
-          <a:scrgbClr r="0" g="0" b="0"/>
-        </a:effectRef>
-        <a:fontRef idx="minor">
-          <a:schemeClr val="lt1"/>
-        </a:fontRef>
-      </dsp:style>
-      <dsp:txBody>
-        <a:bodyPr spcFirstLastPara="0" vert="horz" wrap="square" lIns="38100" tIns="38100" rIns="38100" bIns="38100" numCol="1" spcCol="1270" anchor="ctr" anchorCtr="0">
-          <a:noAutofit/>
-        </a:bodyPr>
-        <a:lstStyle/>
-        <a:p>
-          <a:pPr lvl="0" algn="ctr" defTabSz="1333500">
-            <a:lnSpc>
-              <a:spcPct val="90000"/>
-            </a:lnSpc>
-            <a:spcBef>
-              <a:spcPct val="0"/>
-            </a:spcBef>
-            <a:spcAft>
-              <a:spcPct val="35000"/>
-            </a:spcAft>
-          </a:pPr>
-          <a:r>
-            <a:rPr lang="en-US" sz="3000" kern="1200" dirty="0" smtClean="0"/>
-            <a:t>DNU</a:t>
-          </a:r>
-          <a:endParaRPr lang="en-US" sz="3000" kern="1200" dirty="0"/>
-        </a:p>
-      </dsp:txBody>
-      <dsp:txXfrm>
-        <a:off x="4151718" y="565915"/>
-        <a:ext cx="1077630" cy="1077630"/>
-      </dsp:txXfrm>
-    </dsp:sp>
-    <dsp:sp modelId="{012112E1-3F87-4D99-A816-1C48948C5C0D}">
-      <dsp:nvSpPr>
-        <dsp:cNvPr id="0" name=""/>
-        <dsp:cNvSpPr/>
-      </dsp:nvSpPr>
-      <dsp:spPr>
-        <a:xfrm>
-          <a:off x="1693333" y="33866"/>
-          <a:ext cx="4741333" cy="3793066"/>
-        </a:xfrm>
-        <a:prstGeom prst="funnel">
-          <a:avLst/>
-        </a:prstGeom>
-        <a:solidFill>
-          <a:schemeClr val="lt1">
-            <a:alpha val="40000"/>
-            <a:hueOff val="0"/>
-            <a:satOff val="0"/>
-            <a:lumOff val="0"/>
-            <a:alphaOff val="0"/>
-          </a:schemeClr>
-        </a:solidFill>
-        <a:ln w="12700" cap="rnd" cmpd="sng" algn="ctr">
-          <a:solidFill>
-            <a:schemeClr val="accent1">
-              <a:hueOff val="0"/>
-              <a:satOff val="0"/>
-              <a:lumOff val="0"/>
-              <a:alphaOff val="0"/>
-            </a:schemeClr>
-          </a:solidFill>
-          <a:prstDash val="solid"/>
-        </a:ln>
-        <a:effectLst/>
-      </dsp:spPr>
-      <dsp:style>
-        <a:lnRef idx="1">
-          <a:scrgbClr r="0" g="0" b="0"/>
-        </a:lnRef>
-        <a:fillRef idx="1">
-          <a:scrgbClr r="0" g="0" b="0"/>
-        </a:fillRef>
-        <a:effectRef idx="0">
-          <a:scrgbClr r="0" g="0" b="0"/>
-        </a:effectRef>
-        <a:fontRef idx="minor"/>
-      </dsp:style>
-    </dsp:sp>
   </dsp:spTree>
 </dsp:drawing>
 </file>
@@ -16280,8 +15469,8 @@
           </a:prstGeom>
         </p:spPr>
       </p:pic>
-      <mc:AlternateContent xmlns:mc="http://schemas.openxmlformats.org/markup-compatibility/2006" xmlns:we="http://schemas.microsoft.com/office/webextensions/webextension/2010/11" xmlns:pca="http://schemas.microsoft.com/office/powerpoint/2013/contentapp">
-        <mc:Choice Requires="we pca">
+      <mc:AlternateContent xmlns:mc="http://schemas.openxmlformats.org/markup-compatibility/2006">
+        <mc:Choice xmlns:we="http://schemas.microsoft.com/office/webextensions/webextension/2010/11" xmlns:pca="http://schemas.microsoft.com/office/powerpoint/2013/contentapp" xmlns="" Requires="we pca">
           <p:graphicFrame>
             <p:nvGraphicFramePr>
               <p:cNvPr id="7" name="Add-in 6" title="Code Presenter Pro"/>
@@ -16307,7 +15496,7 @@
             </a:graphic>
           </p:graphicFrame>
         </mc:Choice>
-        <mc:Fallback xmlns="">
+        <mc:Fallback>
           <p:pic>
             <p:nvPicPr>
               <p:cNvPr id="7" name="Add-in 6" title="Code Presenter Pro"/>
@@ -16932,8 +16121,8 @@
           </a:p>
         </p:txBody>
       </p:sp>
-      <mc:AlternateContent xmlns:mc="http://schemas.openxmlformats.org/markup-compatibility/2006" xmlns:we="http://schemas.microsoft.com/office/webextensions/webextension/2010/11" xmlns:pca="http://schemas.microsoft.com/office/powerpoint/2013/contentapp">
-        <mc:Choice Requires="we pca">
+      <mc:AlternateContent xmlns:mc="http://schemas.openxmlformats.org/markup-compatibility/2006">
+        <mc:Choice xmlns:we="http://schemas.microsoft.com/office/webextensions/webextension/2010/11" xmlns:pca="http://schemas.microsoft.com/office/powerpoint/2013/contentapp" xmlns="" Requires="we pca">
           <p:graphicFrame>
             <p:nvGraphicFramePr>
               <p:cNvPr id="5" name="Add-in 4" title="Code Presenter Pro"/>
@@ -16959,7 +16148,7 @@
             </a:graphic>
           </p:graphicFrame>
         </mc:Choice>
-        <mc:Fallback xmlns="">
+        <mc:Fallback>
           <p:pic>
             <p:nvPicPr>
               <p:cNvPr id="5" name="Add-in 4" title="Code Presenter Pro"/>
@@ -17028,8 +16217,8 @@
           </a:p>
         </p:txBody>
       </p:sp>
-      <mc:AlternateContent xmlns:mc="http://schemas.openxmlformats.org/markup-compatibility/2006" xmlns:we="http://schemas.microsoft.com/office/webextensions/webextension/2010/11" xmlns:pca="http://schemas.microsoft.com/office/powerpoint/2013/contentapp">
-        <mc:Choice Requires="we pca">
+      <mc:AlternateContent xmlns:mc="http://schemas.openxmlformats.org/markup-compatibility/2006">
+        <mc:Choice xmlns:we="http://schemas.microsoft.com/office/webextensions/webextension/2010/11" xmlns:pca="http://schemas.microsoft.com/office/powerpoint/2013/contentapp" xmlns="" Requires="we pca">
           <p:graphicFrame>
             <p:nvGraphicFramePr>
               <p:cNvPr id="7" name="Add-in 6" title="Code Presenter Pro"/>
@@ -17055,7 +16244,7 @@
             </a:graphic>
           </p:graphicFrame>
         </mc:Choice>
-        <mc:Fallback xmlns="">
+        <mc:Fallback>
           <p:pic>
             <p:nvPicPr>
               <p:cNvPr id="7" name="Add-in 6" title="Code Presenter Pro"/>
@@ -17379,8 +16568,8 @@
           </a:p>
         </p:txBody>
       </p:sp>
-      <mc:AlternateContent xmlns:mc="http://schemas.openxmlformats.org/markup-compatibility/2006" xmlns:we="http://schemas.microsoft.com/office/webextensions/webextension/2010/11" xmlns:pca="http://schemas.microsoft.com/office/powerpoint/2013/contentapp">
-        <mc:Choice Requires="we pca">
+      <mc:AlternateContent xmlns:mc="http://schemas.openxmlformats.org/markup-compatibility/2006">
+        <mc:Choice xmlns:we="http://schemas.microsoft.com/office/webextensions/webextension/2010/11" xmlns:pca="http://schemas.microsoft.com/office/powerpoint/2013/contentapp" xmlns="" Requires="we pca">
           <p:graphicFrame>
             <p:nvGraphicFramePr>
               <p:cNvPr id="5" name="Add-in 4" title="Code Presenter Pro"/>
@@ -17406,7 +16595,7 @@
             </a:graphic>
           </p:graphicFrame>
         </mc:Choice>
-        <mc:Fallback xmlns="">
+        <mc:Fallback>
           <p:pic>
             <p:nvPicPr>
               <p:cNvPr id="5" name="Add-in 4" title="Code Presenter Pro"/>
@@ -20067,13 +19256,13 @@
             <p:ph idx="1"/>
             <p:extLst>
               <p:ext uri="{D42A27DB-BD31-4B8C-83A1-F6EECF244321}">
-                <p14:modId xmlns:p14="http://schemas.microsoft.com/office/powerpoint/2010/main" val="3120420997"/>
+                <p14:modId xmlns:p14="http://schemas.microsoft.com/office/powerpoint/2010/main" val="3818685331"/>
               </p:ext>
             </p:extLst>
           </p:nvPr>
         </p:nvGraphicFramePr>
         <p:xfrm>
-          <a:off x="677333" y="1470992"/>
+          <a:off x="677333" y="711131"/>
           <a:ext cx="8999403" cy="4050030"/>
         </p:xfrm>
         <a:graphic>
@@ -20082,111 +19271,96 @@
           </a:graphicData>
         </a:graphic>
       </p:graphicFrame>
-      <p:grpSp>
-        <p:nvGrpSpPr>
-          <p:cNvPr id="17" name="Group 16"/>
-          <p:cNvGrpSpPr/>
+      <p:pic>
+        <p:nvPicPr>
+          <p:cNvPr id="10" name="Picture 9"/>
+          <p:cNvPicPr>
+            <a:picLocks noChangeAspect="1"/>
+          </p:cNvPicPr>
           <p:nvPr/>
-        </p:nvGrpSpPr>
-        <p:grpSpPr>
+        </p:nvPicPr>
+        <p:blipFill>
+          <a:blip r:embed="rId7" cstate="print">
+            <a:extLst>
+              <a:ext uri="{28A0092B-C50C-407E-A947-70E740481C1C}">
+                <a14:useLocalDpi xmlns:a14="http://schemas.microsoft.com/office/drawing/2010/main" val="0"/>
+              </a:ext>
+            </a:extLst>
+          </a:blip>
+          <a:stretch>
+            <a:fillRect/>
+          </a:stretch>
+        </p:blipFill>
+        <p:spPr>
           <a:xfrm>
-            <a:off x="3808057" y="5339033"/>
-            <a:ext cx="2640739" cy="930986"/>
-            <a:chOff x="3808057" y="5339033"/>
-            <a:chExt cx="2640739" cy="930986"/>
+            <a:off x="3808057" y="4450382"/>
+            <a:ext cx="883851" cy="883850"/>
           </a:xfrm>
-        </p:grpSpPr>
-        <p:pic>
-          <p:nvPicPr>
-            <p:cNvPr id="10" name="Picture 9"/>
-            <p:cNvPicPr>
-              <a:picLocks noChangeAspect="1"/>
-            </p:cNvPicPr>
-            <p:nvPr/>
-          </p:nvPicPr>
-          <p:blipFill>
-            <a:blip r:embed="rId7" cstate="print">
-              <a:extLst>
-                <a:ext uri="{28A0092B-C50C-407E-A947-70E740481C1C}">
-                  <a14:useLocalDpi xmlns:a14="http://schemas.microsoft.com/office/drawing/2010/main" val="0"/>
-                </a:ext>
-              </a:extLst>
-            </a:blip>
-            <a:stretch>
-              <a:fillRect/>
-            </a:stretch>
-          </p:blipFill>
-          <p:spPr>
-            <a:xfrm>
-              <a:off x="3808057" y="5339033"/>
-              <a:ext cx="883851" cy="883850"/>
-            </a:xfrm>
-            <a:prstGeom prst="rect">
-              <a:avLst/>
-            </a:prstGeom>
-          </p:spPr>
-        </p:pic>
-        <p:pic>
-          <p:nvPicPr>
-            <p:cNvPr id="11" name="Picture 10"/>
-            <p:cNvPicPr>
-              <a:picLocks noChangeAspect="1"/>
-            </p:cNvPicPr>
-            <p:nvPr/>
-          </p:nvPicPr>
-          <p:blipFill>
-            <a:blip r:embed="rId8" cstate="print">
-              <a:extLst>
-                <a:ext uri="{28A0092B-C50C-407E-A947-70E740481C1C}">
-                  <a14:useLocalDpi xmlns:a14="http://schemas.microsoft.com/office/drawing/2010/main" val="0"/>
-                </a:ext>
-              </a:extLst>
-            </a:blip>
-            <a:stretch>
-              <a:fillRect/>
-            </a:stretch>
-          </p:blipFill>
-          <p:spPr>
-            <a:xfrm>
-              <a:off x="4789122" y="5339033"/>
-              <a:ext cx="775823" cy="930986"/>
-            </a:xfrm>
-            <a:prstGeom prst="rect">
-              <a:avLst/>
-            </a:prstGeom>
-          </p:spPr>
-        </p:pic>
-        <p:pic>
-          <p:nvPicPr>
-            <p:cNvPr id="13" name="Picture 12"/>
-            <p:cNvPicPr>
-              <a:picLocks noChangeAspect="1"/>
-            </p:cNvPicPr>
-            <p:nvPr/>
-          </p:nvPicPr>
-          <p:blipFill>
-            <a:blip r:embed="rId9" cstate="print">
-              <a:extLst>
-                <a:ext uri="{28A0092B-C50C-407E-A947-70E740481C1C}">
-                  <a14:useLocalDpi xmlns:a14="http://schemas.microsoft.com/office/drawing/2010/main" val="0"/>
-                </a:ext>
-              </a:extLst>
-            </a:blip>
-            <a:stretch>
-              <a:fillRect/>
-            </a:stretch>
-          </p:blipFill>
-          <p:spPr>
-            <a:xfrm>
-              <a:off x="5564946" y="5339033"/>
-              <a:ext cx="883850" cy="883850"/>
-            </a:xfrm>
-            <a:prstGeom prst="rect">
-              <a:avLst/>
-            </a:prstGeom>
-          </p:spPr>
-        </p:pic>
-      </p:grpSp>
+          <a:prstGeom prst="rect">
+            <a:avLst/>
+          </a:prstGeom>
+        </p:spPr>
+      </p:pic>
+      <p:pic>
+        <p:nvPicPr>
+          <p:cNvPr id="11" name="Picture 10"/>
+          <p:cNvPicPr>
+            <a:picLocks noChangeAspect="1"/>
+          </p:cNvPicPr>
+          <p:nvPr/>
+        </p:nvPicPr>
+        <p:blipFill>
+          <a:blip r:embed="rId8" cstate="print">
+            <a:extLst>
+              <a:ext uri="{28A0092B-C50C-407E-A947-70E740481C1C}">
+                <a14:useLocalDpi xmlns:a14="http://schemas.microsoft.com/office/drawing/2010/main" val="0"/>
+              </a:ext>
+            </a:extLst>
+          </a:blip>
+          <a:stretch>
+            <a:fillRect/>
+          </a:stretch>
+        </p:blipFill>
+        <p:spPr>
+          <a:xfrm>
+            <a:off x="4789122" y="4450382"/>
+            <a:ext cx="775823" cy="930986"/>
+          </a:xfrm>
+          <a:prstGeom prst="rect">
+            <a:avLst/>
+          </a:prstGeom>
+        </p:spPr>
+      </p:pic>
+      <p:pic>
+        <p:nvPicPr>
+          <p:cNvPr id="13" name="Picture 12"/>
+          <p:cNvPicPr>
+            <a:picLocks noChangeAspect="1"/>
+          </p:cNvPicPr>
+          <p:nvPr/>
+        </p:nvPicPr>
+        <p:blipFill>
+          <a:blip r:embed="rId9" cstate="print">
+            <a:extLst>
+              <a:ext uri="{28A0092B-C50C-407E-A947-70E740481C1C}">
+                <a14:useLocalDpi xmlns:a14="http://schemas.microsoft.com/office/drawing/2010/main" val="0"/>
+              </a:ext>
+            </a:extLst>
+          </a:blip>
+          <a:stretch>
+            <a:fillRect/>
+          </a:stretch>
+        </p:blipFill>
+        <p:spPr>
+          <a:xfrm>
+            <a:off x="5564946" y="4450382"/>
+            <a:ext cx="883850" cy="883850"/>
+          </a:xfrm>
+          <a:prstGeom prst="rect">
+            <a:avLst/>
+          </a:prstGeom>
+        </p:spPr>
+      </p:pic>
       <p:pic>
         <p:nvPicPr>
           <p:cNvPr id="15" name="Picture 14"/>
@@ -20209,7 +19383,7 @@
         </p:blipFill>
         <p:spPr>
           <a:xfrm>
-            <a:off x="1460090" y="5339033"/>
+            <a:off x="1460090" y="4450382"/>
             <a:ext cx="883851" cy="883850"/>
           </a:xfrm>
           <a:prstGeom prst="rect">
@@ -20217,6 +19391,470 @@
           </a:prstGeom>
         </p:spPr>
       </p:pic>
+      <p:grpSp>
+        <p:nvGrpSpPr>
+          <p:cNvPr id="12" name="Group 11"/>
+          <p:cNvGrpSpPr/>
+          <p:nvPr/>
+        </p:nvGrpSpPr>
+        <p:grpSpPr>
+          <a:xfrm>
+            <a:off x="852573" y="5819607"/>
+            <a:ext cx="2098884" cy="402484"/>
+            <a:chOff x="554686" y="3245885"/>
+            <a:chExt cx="2098884" cy="402484"/>
+          </a:xfrm>
+          <a:solidFill>
+            <a:schemeClr val="accent1"/>
+          </a:solidFill>
+        </p:grpSpPr>
+        <p:sp>
+          <p:nvSpPr>
+            <p:cNvPr id="14" name="Rectangle 13"/>
+            <p:cNvSpPr/>
+            <p:nvPr/>
+          </p:nvSpPr>
+          <p:spPr>
+            <a:xfrm>
+              <a:off x="554686" y="3245885"/>
+              <a:ext cx="2098884" cy="402484"/>
+            </a:xfrm>
+            <a:prstGeom prst="rect">
+              <a:avLst/>
+            </a:prstGeom>
+            <a:grpFill/>
+          </p:spPr>
+          <p:style>
+            <a:lnRef idx="2">
+              <a:schemeClr val="accent1">
+                <a:hueOff val="0"/>
+                <a:satOff val="0"/>
+                <a:lumOff val="0"/>
+                <a:alphaOff val="0"/>
+              </a:schemeClr>
+            </a:lnRef>
+            <a:fillRef idx="1">
+              <a:schemeClr val="lt1">
+                <a:alpha val="90000"/>
+                <a:hueOff val="0"/>
+                <a:satOff val="0"/>
+                <a:lumOff val="0"/>
+                <a:alphaOff val="0"/>
+              </a:schemeClr>
+            </a:fillRef>
+            <a:effectRef idx="0">
+              <a:schemeClr val="lt1">
+                <a:alpha val="90000"/>
+                <a:hueOff val="0"/>
+                <a:satOff val="0"/>
+                <a:lumOff val="0"/>
+                <a:alphaOff val="0"/>
+              </a:schemeClr>
+            </a:effectRef>
+            <a:fontRef idx="minor">
+              <a:schemeClr val="dk1">
+                <a:hueOff val="0"/>
+                <a:satOff val="0"/>
+                <a:lumOff val="0"/>
+                <a:alphaOff val="0"/>
+              </a:schemeClr>
+            </a:fontRef>
+          </p:style>
+        </p:sp>
+        <p:sp>
+          <p:nvSpPr>
+            <p:cNvPr id="16" name="Rectangle 15"/>
+            <p:cNvSpPr/>
+            <p:nvPr/>
+          </p:nvSpPr>
+          <p:spPr>
+            <a:xfrm>
+              <a:off x="554686" y="3245885"/>
+              <a:ext cx="2098884" cy="402484"/>
+            </a:xfrm>
+            <a:prstGeom prst="rect">
+              <a:avLst/>
+            </a:prstGeom>
+            <a:grpFill/>
+          </p:spPr>
+          <p:style>
+            <a:lnRef idx="0">
+              <a:scrgbClr r="0" g="0" b="0"/>
+            </a:lnRef>
+            <a:fillRef idx="0">
+              <a:scrgbClr r="0" g="0" b="0"/>
+            </a:fillRef>
+            <a:effectRef idx="0">
+              <a:scrgbClr r="0" g="0" b="0"/>
+            </a:effectRef>
+            <a:fontRef idx="minor">
+              <a:schemeClr val="dk1">
+                <a:hueOff val="0"/>
+                <a:satOff val="0"/>
+                <a:lumOff val="0"/>
+                <a:alphaOff val="0"/>
+              </a:schemeClr>
+            </a:fontRef>
+          </p:style>
+          <p:txBody>
+            <a:bodyPr spcFirstLastPara="0" vert="horz" wrap="square" lIns="38100" tIns="9525" rIns="38100" bIns="9525" numCol="1" spcCol="1270" anchor="ctr" anchorCtr="0">
+              <a:noAutofit/>
+            </a:bodyPr>
+            <a:lstStyle/>
+            <a:p>
+              <a:pPr lvl="0" algn="ctr" defTabSz="666750">
+                <a:lnSpc>
+                  <a:spcPct val="90000"/>
+                </a:lnSpc>
+                <a:spcBef>
+                  <a:spcPct val="0"/>
+                </a:spcBef>
+                <a:spcAft>
+                  <a:spcPct val="35000"/>
+                </a:spcAft>
+              </a:pPr>
+              <a:r>
+                <a:rPr lang="en-US" sz="2700" b="1" kern="1200" dirty="0" smtClean="0">
+                  <a:solidFill>
+                    <a:schemeClr val="bg1"/>
+                  </a:solidFill>
+                </a:rPr>
+                <a:t>IIS</a:t>
+              </a:r>
+              <a:endParaRPr lang="en-US" sz="2700" b="1" kern="1200" dirty="0">
+                <a:solidFill>
+                  <a:schemeClr val="bg1"/>
+                </a:solidFill>
+              </a:endParaRPr>
+            </a:p>
+          </p:txBody>
+        </p:sp>
+      </p:grpSp>
+      <p:grpSp>
+        <p:nvGrpSpPr>
+          <p:cNvPr id="18" name="Group 17"/>
+          <p:cNvGrpSpPr/>
+          <p:nvPr/>
+        </p:nvGrpSpPr>
+        <p:grpSpPr>
+          <a:xfrm>
+            <a:off x="3989553" y="5819607"/>
+            <a:ext cx="2098884" cy="402484"/>
+            <a:chOff x="554686" y="3245885"/>
+            <a:chExt cx="2098884" cy="402484"/>
+          </a:xfrm>
+        </p:grpSpPr>
+        <p:sp>
+          <p:nvSpPr>
+            <p:cNvPr id="19" name="Rectangle 18"/>
+            <p:cNvSpPr/>
+            <p:nvPr/>
+          </p:nvSpPr>
+          <p:spPr>
+            <a:xfrm>
+              <a:off x="554686" y="3245885"/>
+              <a:ext cx="2098884" cy="402484"/>
+            </a:xfrm>
+            <a:prstGeom prst="rect">
+              <a:avLst/>
+            </a:prstGeom>
+          </p:spPr>
+          <p:style>
+            <a:lnRef idx="2">
+              <a:schemeClr val="accent1">
+                <a:hueOff val="0"/>
+                <a:satOff val="0"/>
+                <a:lumOff val="0"/>
+                <a:alphaOff val="0"/>
+              </a:schemeClr>
+            </a:lnRef>
+            <a:fillRef idx="1">
+              <a:schemeClr val="lt1">
+                <a:alpha val="90000"/>
+                <a:hueOff val="0"/>
+                <a:satOff val="0"/>
+                <a:lumOff val="0"/>
+                <a:alphaOff val="0"/>
+              </a:schemeClr>
+            </a:fillRef>
+            <a:effectRef idx="0">
+              <a:schemeClr val="lt1">
+                <a:alpha val="90000"/>
+                <a:hueOff val="0"/>
+                <a:satOff val="0"/>
+                <a:lumOff val="0"/>
+                <a:alphaOff val="0"/>
+              </a:schemeClr>
+            </a:effectRef>
+            <a:fontRef idx="minor">
+              <a:schemeClr val="dk1">
+                <a:hueOff val="0"/>
+                <a:satOff val="0"/>
+                <a:lumOff val="0"/>
+                <a:alphaOff val="0"/>
+              </a:schemeClr>
+            </a:fontRef>
+          </p:style>
+        </p:sp>
+        <p:sp>
+          <p:nvSpPr>
+            <p:cNvPr id="20" name="Rectangle 19"/>
+            <p:cNvSpPr/>
+            <p:nvPr/>
+          </p:nvSpPr>
+          <p:spPr>
+            <a:xfrm>
+              <a:off x="554686" y="3245885"/>
+              <a:ext cx="2098884" cy="402484"/>
+            </a:xfrm>
+            <a:prstGeom prst="rect">
+              <a:avLst/>
+            </a:prstGeom>
+            <a:solidFill>
+              <a:schemeClr val="accent1"/>
+            </a:solidFill>
+          </p:spPr>
+          <p:style>
+            <a:lnRef idx="0">
+              <a:scrgbClr r="0" g="0" b="0"/>
+            </a:lnRef>
+            <a:fillRef idx="0">
+              <a:scrgbClr r="0" g="0" b="0"/>
+            </a:fillRef>
+            <a:effectRef idx="0">
+              <a:scrgbClr r="0" g="0" b="0"/>
+            </a:effectRef>
+            <a:fontRef idx="minor">
+              <a:schemeClr val="dk1">
+                <a:hueOff val="0"/>
+                <a:satOff val="0"/>
+                <a:lumOff val="0"/>
+                <a:alphaOff val="0"/>
+              </a:schemeClr>
+            </a:fontRef>
+          </p:style>
+          <p:txBody>
+            <a:bodyPr spcFirstLastPara="0" vert="horz" wrap="square" lIns="38100" tIns="9525" rIns="38100" bIns="9525" numCol="1" spcCol="1270" anchor="ctr" anchorCtr="0">
+              <a:noAutofit/>
+            </a:bodyPr>
+            <a:lstStyle/>
+            <a:p>
+              <a:pPr lvl="0" algn="ctr" defTabSz="666750">
+                <a:lnSpc>
+                  <a:spcPct val="90000"/>
+                </a:lnSpc>
+                <a:spcBef>
+                  <a:spcPct val="0"/>
+                </a:spcBef>
+                <a:spcAft>
+                  <a:spcPct val="35000"/>
+                </a:spcAft>
+              </a:pPr>
+              <a:r>
+                <a:rPr lang="en-US" sz="2700" b="1" dirty="0" smtClean="0">
+                  <a:solidFill>
+                    <a:schemeClr val="bg1"/>
+                  </a:solidFill>
+                </a:rPr>
+                <a:t>Kestrel</a:t>
+              </a:r>
+              <a:endParaRPr lang="en-US" sz="2700" b="1" kern="1200" dirty="0">
+                <a:solidFill>
+                  <a:schemeClr val="bg1"/>
+                </a:solidFill>
+              </a:endParaRPr>
+            </a:p>
+          </p:txBody>
+        </p:sp>
+      </p:grpSp>
+      <p:cxnSp>
+        <p:nvCxnSpPr>
+          <p:cNvPr id="5" name="Straight Connector 4"/>
+          <p:cNvCxnSpPr>
+            <a:stCxn id="15" idx="2"/>
+            <a:endCxn id="16" idx="0"/>
+          </p:cNvCxnSpPr>
+          <p:nvPr/>
+        </p:nvCxnSpPr>
+        <p:spPr>
+          <a:xfrm flipH="1">
+            <a:off x="1902015" y="5334232"/>
+            <a:ext cx="1" cy="485375"/>
+          </a:xfrm>
+          <a:prstGeom prst="line">
+            <a:avLst/>
+          </a:prstGeom>
+          <a:ln w="25400">
+            <a:solidFill>
+              <a:schemeClr val="tx1"/>
+            </a:solidFill>
+          </a:ln>
+        </p:spPr>
+        <p:style>
+          <a:lnRef idx="1">
+            <a:schemeClr val="accent1"/>
+          </a:lnRef>
+          <a:fillRef idx="0">
+            <a:schemeClr val="accent1"/>
+          </a:fillRef>
+          <a:effectRef idx="0">
+            <a:schemeClr val="accent1"/>
+          </a:effectRef>
+          <a:fontRef idx="minor">
+            <a:schemeClr val="tx1"/>
+          </a:fontRef>
+        </p:style>
+      </p:cxnSp>
+      <p:cxnSp>
+        <p:nvCxnSpPr>
+          <p:cNvPr id="9" name="Straight Connector 8"/>
+          <p:cNvCxnSpPr>
+            <a:stCxn id="14" idx="3"/>
+            <a:endCxn id="10" idx="2"/>
+          </p:cNvCxnSpPr>
+          <p:nvPr/>
+        </p:nvCxnSpPr>
+        <p:spPr>
+          <a:xfrm flipV="1">
+            <a:off x="2951457" y="5334232"/>
+            <a:ext cx="1298526" cy="686617"/>
+          </a:xfrm>
+          <a:prstGeom prst="line">
+            <a:avLst/>
+          </a:prstGeom>
+          <a:ln w="25400">
+            <a:solidFill>
+              <a:schemeClr val="tx1"/>
+            </a:solidFill>
+          </a:ln>
+        </p:spPr>
+        <p:style>
+          <a:lnRef idx="1">
+            <a:schemeClr val="accent1"/>
+          </a:lnRef>
+          <a:fillRef idx="0">
+            <a:schemeClr val="accent1"/>
+          </a:fillRef>
+          <a:effectRef idx="0">
+            <a:schemeClr val="accent1"/>
+          </a:effectRef>
+          <a:fontRef idx="minor">
+            <a:schemeClr val="tx1"/>
+          </a:fontRef>
+        </p:style>
+      </p:cxnSp>
+      <p:cxnSp>
+        <p:nvCxnSpPr>
+          <p:cNvPr id="27" name="Straight Connector 26"/>
+          <p:cNvCxnSpPr>
+            <a:stCxn id="10" idx="2"/>
+          </p:cNvCxnSpPr>
+          <p:nvPr/>
+        </p:nvCxnSpPr>
+        <p:spPr>
+          <a:xfrm>
+            <a:off x="4249983" y="5334232"/>
+            <a:ext cx="180349" cy="485375"/>
+          </a:xfrm>
+          <a:prstGeom prst="line">
+            <a:avLst/>
+          </a:prstGeom>
+          <a:ln w="25400">
+            <a:solidFill>
+              <a:schemeClr val="tx1"/>
+            </a:solidFill>
+          </a:ln>
+        </p:spPr>
+        <p:style>
+          <a:lnRef idx="1">
+            <a:schemeClr val="accent1"/>
+          </a:lnRef>
+          <a:fillRef idx="0">
+            <a:schemeClr val="accent1"/>
+          </a:fillRef>
+          <a:effectRef idx="0">
+            <a:schemeClr val="accent1"/>
+          </a:effectRef>
+          <a:fontRef idx="minor">
+            <a:schemeClr val="tx1"/>
+          </a:fontRef>
+        </p:style>
+      </p:cxnSp>
+      <p:cxnSp>
+        <p:nvCxnSpPr>
+          <p:cNvPr id="29" name="Straight Connector 28"/>
+          <p:cNvCxnSpPr>
+            <a:stCxn id="11" idx="2"/>
+            <a:endCxn id="20" idx="0"/>
+          </p:cNvCxnSpPr>
+          <p:nvPr/>
+        </p:nvCxnSpPr>
+        <p:spPr>
+          <a:xfrm flipH="1">
+            <a:off x="5038995" y="5381368"/>
+            <a:ext cx="138039" cy="438239"/>
+          </a:xfrm>
+          <a:prstGeom prst="line">
+            <a:avLst/>
+          </a:prstGeom>
+          <a:ln w="25400">
+            <a:solidFill>
+              <a:schemeClr val="tx1"/>
+            </a:solidFill>
+          </a:ln>
+        </p:spPr>
+        <p:style>
+          <a:lnRef idx="1">
+            <a:schemeClr val="accent1"/>
+          </a:lnRef>
+          <a:fillRef idx="0">
+            <a:schemeClr val="accent1"/>
+          </a:fillRef>
+          <a:effectRef idx="0">
+            <a:schemeClr val="accent1"/>
+          </a:effectRef>
+          <a:fontRef idx="minor">
+            <a:schemeClr val="tx1"/>
+          </a:fontRef>
+        </p:style>
+      </p:cxnSp>
+      <p:cxnSp>
+        <p:nvCxnSpPr>
+          <p:cNvPr id="31" name="Straight Connector 30"/>
+          <p:cNvCxnSpPr>
+            <a:stCxn id="13" idx="2"/>
+          </p:cNvCxnSpPr>
+          <p:nvPr/>
+        </p:nvCxnSpPr>
+        <p:spPr>
+          <a:xfrm flipH="1">
+            <a:off x="5564946" y="5334232"/>
+            <a:ext cx="441925" cy="485375"/>
+          </a:xfrm>
+          <a:prstGeom prst="line">
+            <a:avLst/>
+          </a:prstGeom>
+          <a:ln w="25400">
+            <a:solidFill>
+              <a:schemeClr val="tx1"/>
+            </a:solidFill>
+          </a:ln>
+        </p:spPr>
+        <p:style>
+          <a:lnRef idx="1">
+            <a:schemeClr val="accent1"/>
+          </a:lnRef>
+          <a:fillRef idx="0">
+            <a:schemeClr val="accent1"/>
+          </a:fillRef>
+          <a:effectRef idx="0">
+            <a:schemeClr val="accent1"/>
+          </a:effectRef>
+          <a:fontRef idx="minor">
+            <a:schemeClr val="tx1"/>
+          </a:fontRef>
+        </p:style>
+      </p:cxnSp>
     </p:spTree>
     <p:extLst>
       <p:ext uri="{BB962C8B-B14F-4D97-AF65-F5344CB8AC3E}">
@@ -21552,7 +21190,7 @@
   <a:extraClrSchemeLst/>
   <a:extLst>
     <a:ext uri="{05A4C25C-085E-4340-85A3-A5531E510DB2}">
-      <thm15:themeFamily xmlns:thm15="http://schemas.microsoft.com/office/thememl/2012/main" name="Facet" id="{C0C680CD-088A-49FC-A102-D699147F32B2}" vid="{0B5AB586-D108-4FC1-8368-649FE654B894}"/>
+      <thm15:themeFamily xmlns:thm15="http://schemas.microsoft.com/office/thememl/2012/main" xmlns="" name="Facet" id="{C0C680CD-088A-49FC-A102-D699147F32B2}" vid="{0B5AB586-D108-4FC1-8368-649FE654B894}"/>
     </a:ext>
   </a:extLst>
 </a:theme>
@@ -21813,7 +21451,7 @@
   <a:extraClrSchemeLst/>
   <a:extLst>
     <a:ext uri="{05A4C25C-085E-4340-85A3-A5531E510DB2}">
-      <thm15:themeFamily xmlns:thm15="http://schemas.microsoft.com/office/thememl/2012/main" name="Office Theme" id="{62F939B6-93AF-4DB8-9C6B-D6C7DFDC589F}" vid="{4A3C46E8-61CC-4603-A589-7422A47A8E4A}"/>
+      <thm15:themeFamily xmlns:thm15="http://schemas.microsoft.com/office/thememl/2012/main" xmlns="" name="Office Theme" id="{62F939B6-93AF-4DB8-9C6B-D6C7DFDC589F}" vid="{4A3C46E8-61CC-4603-A589-7422A47A8E4A}"/>
     </a:ext>
   </a:extLst>
 </a:theme>

--- a/Getting Started with ASP.NET 5 in VS Code - RC1.pptx
+++ b/Getting Started with ASP.NET 5 in VS Code - RC1.pptx
@@ -2970,7 +2970,7 @@
         <a:lstStyle/>
         <a:p>
           <a:r>
-            <a:rPr lang="en-US" dirty="0" err="1" smtClean="0"/>
+            <a:rPr lang="en-US" dirty="0" smtClean="0"/>
             <a:t>OmniSharp</a:t>
           </a:r>
           <a:endParaRPr lang="en-US" dirty="0"/>
@@ -2995,7 +2995,7 @@
         <a:bodyPr/>
         <a:lstStyle/>
         <a:p>
-          <a:endParaRPr lang="en-US"/>
+          <a:endParaRPr lang="en-US" dirty="0"/>
         </a:p>
       </dgm:t>
     </dgm:pt>
@@ -3032,7 +3032,7 @@
         <a:bodyPr/>
         <a:lstStyle/>
         <a:p>
-          <a:endParaRPr lang="en-US"/>
+          <a:endParaRPr lang="en-US" dirty="0"/>
         </a:p>
       </dgm:t>
     </dgm:pt>
@@ -3045,11 +3045,7 @@
         <a:p>
           <a:r>
             <a:rPr lang="en-US" dirty="0" smtClean="0"/>
-            <a:t>generator-</a:t>
-          </a:r>
-          <a:r>
-            <a:rPr lang="en-US" dirty="0" err="1" smtClean="0"/>
-            <a:t>aspnet</a:t>
+            <a:t>generator-aspnet</a:t>
           </a:r>
           <a:endParaRPr lang="en-US" dirty="0"/>
         </a:p>
@@ -3333,12 +3329,8 @@
         <a:lstStyle/>
         <a:p>
           <a:r>
-            <a:rPr lang="en-US" dirty="0" err="1" smtClean="0"/>
-            <a:t>dotnet</a:t>
-          </a:r>
-          <a:r>
             <a:rPr lang="en-US" dirty="0" smtClean="0"/>
-            <a:t> CLI</a:t>
+            <a:t>dotnet CLI</a:t>
           </a:r>
           <a:endParaRPr lang="en-US" dirty="0"/>
         </a:p>
@@ -4286,6 +4278,369 @@
       <dsp:cNvGrpSpPr/>
     </dsp:nvGrpSpPr>
     <dsp:grpSpPr/>
+    <dsp:sp modelId="{A746EB11-4E99-4B13-AEEF-24EDCB1826B8}">
+      <dsp:nvSpPr>
+        <dsp:cNvPr id="0" name=""/>
+        <dsp:cNvSpPr/>
+      </dsp:nvSpPr>
+      <dsp:spPr>
+        <a:xfrm>
+          <a:off x="1366" y="1803466"/>
+          <a:ext cx="1811734" cy="1811734"/>
+        </a:xfrm>
+        <a:prstGeom prst="ellipse">
+          <a:avLst/>
+        </a:prstGeom>
+        <a:solidFill>
+          <a:schemeClr val="accent1">
+            <a:hueOff val="0"/>
+            <a:satOff val="0"/>
+            <a:lumOff val="0"/>
+            <a:alphaOff val="0"/>
+          </a:schemeClr>
+        </a:solidFill>
+        <a:ln w="19050" cap="rnd" cmpd="sng" algn="ctr">
+          <a:solidFill>
+            <a:schemeClr val="lt1">
+              <a:hueOff val="0"/>
+              <a:satOff val="0"/>
+              <a:lumOff val="0"/>
+              <a:alphaOff val="0"/>
+            </a:schemeClr>
+          </a:solidFill>
+          <a:prstDash val="solid"/>
+        </a:ln>
+        <a:effectLst/>
+      </dsp:spPr>
+      <dsp:style>
+        <a:lnRef idx="2">
+          <a:scrgbClr r="0" g="0" b="0"/>
+        </a:lnRef>
+        <a:fillRef idx="1">
+          <a:scrgbClr r="0" g="0" b="0"/>
+        </a:fillRef>
+        <a:effectRef idx="0">
+          <a:scrgbClr r="0" g="0" b="0"/>
+        </a:effectRef>
+        <a:fontRef idx="minor">
+          <a:schemeClr val="lt1"/>
+        </a:fontRef>
+      </dsp:style>
+      <dsp:txBody>
+        <a:bodyPr spcFirstLastPara="0" vert="horz" wrap="square" lIns="25400" tIns="25400" rIns="25400" bIns="25400" numCol="1" spcCol="1270" anchor="ctr" anchorCtr="0">
+          <a:noAutofit/>
+        </a:bodyPr>
+        <a:lstStyle/>
+        <a:p>
+          <a:pPr lvl="0" algn="ctr" defTabSz="889000">
+            <a:lnSpc>
+              <a:spcPct val="90000"/>
+            </a:lnSpc>
+            <a:spcBef>
+              <a:spcPct val="0"/>
+            </a:spcBef>
+            <a:spcAft>
+              <a:spcPct val="35000"/>
+            </a:spcAft>
+          </a:pPr>
+          <a:r>
+            <a:rPr lang="en-US" sz="2000" kern="1200" dirty="0" smtClean="0"/>
+            <a:t>OmniSharp</a:t>
+          </a:r>
+          <a:endParaRPr lang="en-US" sz="2000" kern="1200" dirty="0"/>
+        </a:p>
+      </dsp:txBody>
+      <dsp:txXfrm>
+        <a:off x="266688" y="2068788"/>
+        <a:ext cx="1281090" cy="1281090"/>
+      </dsp:txXfrm>
+    </dsp:sp>
+    <dsp:sp modelId="{99021CD3-1159-400A-919E-59EF40167229}">
+      <dsp:nvSpPr>
+        <dsp:cNvPr id="0" name=""/>
+        <dsp:cNvSpPr/>
+      </dsp:nvSpPr>
+      <dsp:spPr>
+        <a:xfrm>
+          <a:off x="1960214" y="2183930"/>
+          <a:ext cx="1050805" cy="1050805"/>
+        </a:xfrm>
+        <a:prstGeom prst="mathPlus">
+          <a:avLst/>
+        </a:prstGeom>
+        <a:solidFill>
+          <a:schemeClr val="accent1">
+            <a:tint val="60000"/>
+            <a:hueOff val="0"/>
+            <a:satOff val="0"/>
+            <a:lumOff val="0"/>
+            <a:alphaOff val="0"/>
+          </a:schemeClr>
+        </a:solidFill>
+        <a:ln>
+          <a:noFill/>
+        </a:ln>
+        <a:effectLst/>
+      </dsp:spPr>
+      <dsp:style>
+        <a:lnRef idx="0">
+          <a:scrgbClr r="0" g="0" b="0"/>
+        </a:lnRef>
+        <a:fillRef idx="1">
+          <a:scrgbClr r="0" g="0" b="0"/>
+        </a:fillRef>
+        <a:effectRef idx="0">
+          <a:scrgbClr r="0" g="0" b="0"/>
+        </a:effectRef>
+        <a:fontRef idx="minor">
+          <a:schemeClr val="lt1"/>
+        </a:fontRef>
+      </dsp:style>
+      <dsp:txBody>
+        <a:bodyPr spcFirstLastPara="0" vert="horz" wrap="square" lIns="0" tIns="0" rIns="0" bIns="0" numCol="1" spcCol="1270" anchor="ctr" anchorCtr="0">
+          <a:noAutofit/>
+        </a:bodyPr>
+        <a:lstStyle/>
+        <a:p>
+          <a:pPr lvl="0" algn="ctr" defTabSz="711200">
+            <a:lnSpc>
+              <a:spcPct val="90000"/>
+            </a:lnSpc>
+            <a:spcBef>
+              <a:spcPct val="0"/>
+            </a:spcBef>
+            <a:spcAft>
+              <a:spcPct val="35000"/>
+            </a:spcAft>
+          </a:pPr>
+          <a:endParaRPr lang="en-US" sz="1600" kern="1200" dirty="0"/>
+        </a:p>
+      </dsp:txBody>
+      <dsp:txXfrm>
+        <a:off x="2099498" y="2585758"/>
+        <a:ext cx="772237" cy="247149"/>
+      </dsp:txXfrm>
+    </dsp:sp>
+    <dsp:sp modelId="{2BDF25E0-CBF6-4302-B6F7-03617650C5D2}">
+      <dsp:nvSpPr>
+        <dsp:cNvPr id="0" name=""/>
+        <dsp:cNvSpPr/>
+      </dsp:nvSpPr>
+      <dsp:spPr>
+        <a:xfrm>
+          <a:off x="3158132" y="1803466"/>
+          <a:ext cx="1811734" cy="1811734"/>
+        </a:xfrm>
+        <a:prstGeom prst="ellipse">
+          <a:avLst/>
+        </a:prstGeom>
+        <a:solidFill>
+          <a:schemeClr val="accent1">
+            <a:hueOff val="0"/>
+            <a:satOff val="0"/>
+            <a:lumOff val="0"/>
+            <a:alphaOff val="0"/>
+          </a:schemeClr>
+        </a:solidFill>
+        <a:ln w="19050" cap="rnd" cmpd="sng" algn="ctr">
+          <a:solidFill>
+            <a:schemeClr val="lt1">
+              <a:hueOff val="0"/>
+              <a:satOff val="0"/>
+              <a:lumOff val="0"/>
+              <a:alphaOff val="0"/>
+            </a:schemeClr>
+          </a:solidFill>
+          <a:prstDash val="solid"/>
+        </a:ln>
+        <a:effectLst/>
+      </dsp:spPr>
+      <dsp:style>
+        <a:lnRef idx="2">
+          <a:scrgbClr r="0" g="0" b="0"/>
+        </a:lnRef>
+        <a:fillRef idx="1">
+          <a:scrgbClr r="0" g="0" b="0"/>
+        </a:fillRef>
+        <a:effectRef idx="0">
+          <a:scrgbClr r="0" g="0" b="0"/>
+        </a:effectRef>
+        <a:fontRef idx="minor">
+          <a:schemeClr val="lt1"/>
+        </a:fontRef>
+      </dsp:style>
+      <dsp:txBody>
+        <a:bodyPr spcFirstLastPara="0" vert="horz" wrap="square" lIns="25400" tIns="25400" rIns="25400" bIns="25400" numCol="1" spcCol="1270" anchor="ctr" anchorCtr="0">
+          <a:noAutofit/>
+        </a:bodyPr>
+        <a:lstStyle/>
+        <a:p>
+          <a:pPr lvl="0" algn="ctr" defTabSz="889000">
+            <a:lnSpc>
+              <a:spcPct val="90000"/>
+            </a:lnSpc>
+            <a:spcBef>
+              <a:spcPct val="0"/>
+            </a:spcBef>
+            <a:spcAft>
+              <a:spcPct val="35000"/>
+            </a:spcAft>
+          </a:pPr>
+          <a:r>
+            <a:rPr lang="en-US" sz="2000" kern="1200" dirty="0" smtClean="0"/>
+            <a:t>Yeoman</a:t>
+          </a:r>
+          <a:endParaRPr lang="en-US" sz="2000" kern="1200" dirty="0"/>
+        </a:p>
+      </dsp:txBody>
+      <dsp:txXfrm>
+        <a:off x="3423454" y="2068788"/>
+        <a:ext cx="1281090" cy="1281090"/>
+      </dsp:txXfrm>
+    </dsp:sp>
+    <dsp:sp modelId="{0CEB9DC7-5783-4ACD-BCD5-4EF3BE321E8C}">
+      <dsp:nvSpPr>
+        <dsp:cNvPr id="0" name=""/>
+        <dsp:cNvSpPr/>
+      </dsp:nvSpPr>
+      <dsp:spPr>
+        <a:xfrm>
+          <a:off x="5116980" y="2183930"/>
+          <a:ext cx="1050805" cy="1050805"/>
+        </a:xfrm>
+        <a:prstGeom prst="mathEqual">
+          <a:avLst/>
+        </a:prstGeom>
+        <a:solidFill>
+          <a:schemeClr val="accent1">
+            <a:tint val="60000"/>
+            <a:hueOff val="0"/>
+            <a:satOff val="0"/>
+            <a:lumOff val="0"/>
+            <a:alphaOff val="0"/>
+          </a:schemeClr>
+        </a:solidFill>
+        <a:ln>
+          <a:noFill/>
+        </a:ln>
+        <a:effectLst/>
+      </dsp:spPr>
+      <dsp:style>
+        <a:lnRef idx="0">
+          <a:scrgbClr r="0" g="0" b="0"/>
+        </a:lnRef>
+        <a:fillRef idx="1">
+          <a:scrgbClr r="0" g="0" b="0"/>
+        </a:fillRef>
+        <a:effectRef idx="0">
+          <a:scrgbClr r="0" g="0" b="0"/>
+        </a:effectRef>
+        <a:fontRef idx="minor">
+          <a:schemeClr val="lt1"/>
+        </a:fontRef>
+      </dsp:style>
+      <dsp:txBody>
+        <a:bodyPr spcFirstLastPara="0" vert="horz" wrap="square" lIns="0" tIns="0" rIns="0" bIns="0" numCol="1" spcCol="1270" anchor="ctr" anchorCtr="0">
+          <a:noAutofit/>
+        </a:bodyPr>
+        <a:lstStyle/>
+        <a:p>
+          <a:pPr lvl="0" algn="ctr" defTabSz="711200">
+            <a:lnSpc>
+              <a:spcPct val="90000"/>
+            </a:lnSpc>
+            <a:spcBef>
+              <a:spcPct val="0"/>
+            </a:spcBef>
+            <a:spcAft>
+              <a:spcPct val="35000"/>
+            </a:spcAft>
+          </a:pPr>
+          <a:endParaRPr lang="en-US" sz="1600" kern="1200" dirty="0"/>
+        </a:p>
+      </dsp:txBody>
+      <dsp:txXfrm>
+        <a:off x="5256264" y="2400396"/>
+        <a:ext cx="772237" cy="617873"/>
+      </dsp:txXfrm>
+    </dsp:sp>
+    <dsp:sp modelId="{935B9248-D5AC-4608-BFDB-4CC18A641197}">
+      <dsp:nvSpPr>
+        <dsp:cNvPr id="0" name=""/>
+        <dsp:cNvSpPr/>
+      </dsp:nvSpPr>
+      <dsp:spPr>
+        <a:xfrm>
+          <a:off x="6314898" y="1803466"/>
+          <a:ext cx="1811734" cy="1811734"/>
+        </a:xfrm>
+        <a:prstGeom prst="ellipse">
+          <a:avLst/>
+        </a:prstGeom>
+        <a:solidFill>
+          <a:schemeClr val="accent1">
+            <a:hueOff val="0"/>
+            <a:satOff val="0"/>
+            <a:lumOff val="0"/>
+            <a:alphaOff val="0"/>
+          </a:schemeClr>
+        </a:solidFill>
+        <a:ln w="19050" cap="rnd" cmpd="sng" algn="ctr">
+          <a:solidFill>
+            <a:schemeClr val="lt1">
+              <a:hueOff val="0"/>
+              <a:satOff val="0"/>
+              <a:lumOff val="0"/>
+              <a:alphaOff val="0"/>
+            </a:schemeClr>
+          </a:solidFill>
+          <a:prstDash val="solid"/>
+        </a:ln>
+        <a:effectLst/>
+      </dsp:spPr>
+      <dsp:style>
+        <a:lnRef idx="2">
+          <a:scrgbClr r="0" g="0" b="0"/>
+        </a:lnRef>
+        <a:fillRef idx="1">
+          <a:scrgbClr r="0" g="0" b="0"/>
+        </a:fillRef>
+        <a:effectRef idx="0">
+          <a:scrgbClr r="0" g="0" b="0"/>
+        </a:effectRef>
+        <a:fontRef idx="minor">
+          <a:schemeClr val="lt1"/>
+        </a:fontRef>
+      </dsp:style>
+      <dsp:txBody>
+        <a:bodyPr spcFirstLastPara="0" vert="horz" wrap="square" lIns="25400" tIns="25400" rIns="25400" bIns="25400" numCol="1" spcCol="1270" anchor="ctr" anchorCtr="0">
+          <a:noAutofit/>
+        </a:bodyPr>
+        <a:lstStyle/>
+        <a:p>
+          <a:pPr lvl="0" algn="ctr" defTabSz="889000">
+            <a:lnSpc>
+              <a:spcPct val="90000"/>
+            </a:lnSpc>
+            <a:spcBef>
+              <a:spcPct val="0"/>
+            </a:spcBef>
+            <a:spcAft>
+              <a:spcPct val="35000"/>
+            </a:spcAft>
+          </a:pPr>
+          <a:r>
+            <a:rPr lang="en-US" sz="2000" kern="1200" dirty="0" smtClean="0"/>
+            <a:t>generator-aspnet</a:t>
+          </a:r>
+          <a:endParaRPr lang="en-US" sz="2000" kern="1200" dirty="0"/>
+        </a:p>
+      </dsp:txBody>
+      <dsp:txXfrm>
+        <a:off x="6580220" y="2068788"/>
+        <a:ext cx="1281090" cy="1281090"/>
+      </dsp:txXfrm>
+    </dsp:sp>
   </dsp:spTree>
 </dsp:drawing>
 </file>
@@ -4298,6 +4653,434 @@
       <dsp:cNvGrpSpPr/>
     </dsp:nvGrpSpPr>
     <dsp:grpSpPr/>
+    <dsp:sp modelId="{A1B8E387-8D9B-44C2-8C10-A0878F4BCBA5}">
+      <dsp:nvSpPr>
+        <dsp:cNvPr id="0" name=""/>
+        <dsp:cNvSpPr/>
+      </dsp:nvSpPr>
+      <dsp:spPr>
+        <a:xfrm>
+          <a:off x="1872826" y="220133"/>
+          <a:ext cx="4368800" cy="1517226"/>
+        </a:xfrm>
+        <a:prstGeom prst="ellipse">
+          <a:avLst/>
+        </a:prstGeom>
+        <a:solidFill>
+          <a:schemeClr val="accent1">
+            <a:tint val="50000"/>
+            <a:alpha val="40000"/>
+            <a:hueOff val="0"/>
+            <a:satOff val="0"/>
+            <a:lumOff val="0"/>
+            <a:alphaOff val="0"/>
+          </a:schemeClr>
+        </a:solidFill>
+        <a:ln>
+          <a:noFill/>
+        </a:ln>
+        <a:effectLst/>
+      </dsp:spPr>
+      <dsp:style>
+        <a:lnRef idx="0">
+          <a:scrgbClr r="0" g="0" b="0"/>
+        </a:lnRef>
+        <a:fillRef idx="1">
+          <a:scrgbClr r="0" g="0" b="0"/>
+        </a:fillRef>
+        <a:effectRef idx="0">
+          <a:scrgbClr r="0" g="0" b="0"/>
+        </a:effectRef>
+        <a:fontRef idx="minor"/>
+      </dsp:style>
+    </dsp:sp>
+    <dsp:sp modelId="{0E603398-1A32-447A-A475-9378CFFE704C}">
+      <dsp:nvSpPr>
+        <dsp:cNvPr id="0" name=""/>
+        <dsp:cNvSpPr/>
+      </dsp:nvSpPr>
+      <dsp:spPr>
+        <a:xfrm>
+          <a:off x="3640666" y="3935306"/>
+          <a:ext cx="846666" cy="541866"/>
+        </a:xfrm>
+        <a:prstGeom prst="downArrow">
+          <a:avLst/>
+        </a:prstGeom>
+        <a:solidFill>
+          <a:schemeClr val="accent1">
+            <a:tint val="60000"/>
+            <a:hueOff val="0"/>
+            <a:satOff val="0"/>
+            <a:lumOff val="0"/>
+            <a:alphaOff val="0"/>
+          </a:schemeClr>
+        </a:solidFill>
+        <a:ln w="19050" cap="rnd" cmpd="sng" algn="ctr">
+          <a:solidFill>
+            <a:schemeClr val="lt1">
+              <a:hueOff val="0"/>
+              <a:satOff val="0"/>
+              <a:lumOff val="0"/>
+              <a:alphaOff val="0"/>
+            </a:schemeClr>
+          </a:solidFill>
+          <a:prstDash val="solid"/>
+        </a:ln>
+        <a:effectLst/>
+      </dsp:spPr>
+      <dsp:style>
+        <a:lnRef idx="2">
+          <a:scrgbClr r="0" g="0" b="0"/>
+        </a:lnRef>
+        <a:fillRef idx="1">
+          <a:scrgbClr r="0" g="0" b="0"/>
+        </a:fillRef>
+        <a:effectRef idx="0">
+          <a:scrgbClr r="0" g="0" b="0"/>
+        </a:effectRef>
+        <a:fontRef idx="minor"/>
+      </dsp:style>
+    </dsp:sp>
+    <dsp:sp modelId="{7064439C-79BF-4007-8305-264DEF8B33A8}">
+      <dsp:nvSpPr>
+        <dsp:cNvPr id="0" name=""/>
+        <dsp:cNvSpPr/>
+      </dsp:nvSpPr>
+      <dsp:spPr>
+        <a:xfrm>
+          <a:off x="2031999" y="4368800"/>
+          <a:ext cx="4064000" cy="1016000"/>
+        </a:xfrm>
+        <a:prstGeom prst="rect">
+          <a:avLst/>
+        </a:prstGeom>
+        <a:noFill/>
+        <a:ln>
+          <a:noFill/>
+        </a:ln>
+        <a:effectLst/>
+      </dsp:spPr>
+      <dsp:style>
+        <a:lnRef idx="0">
+          <a:scrgbClr r="0" g="0" b="0"/>
+        </a:lnRef>
+        <a:fillRef idx="0">
+          <a:scrgbClr r="0" g="0" b="0"/>
+        </a:fillRef>
+        <a:effectRef idx="0">
+          <a:scrgbClr r="0" g="0" b="0"/>
+        </a:effectRef>
+        <a:fontRef idx="minor"/>
+      </dsp:style>
+      <dsp:txBody>
+        <a:bodyPr spcFirstLastPara="0" vert="horz" wrap="square" lIns="256032" tIns="256032" rIns="256032" bIns="256032" numCol="1" spcCol="1270" anchor="ctr" anchorCtr="0">
+          <a:noAutofit/>
+        </a:bodyPr>
+        <a:lstStyle/>
+        <a:p>
+          <a:pPr lvl="0" algn="ctr" defTabSz="1600200">
+            <a:lnSpc>
+              <a:spcPct val="90000"/>
+            </a:lnSpc>
+            <a:spcBef>
+              <a:spcPct val="0"/>
+            </a:spcBef>
+            <a:spcAft>
+              <a:spcPct val="35000"/>
+            </a:spcAft>
+          </a:pPr>
+          <a:r>
+            <a:rPr lang="en-US" sz="3600" kern="1200" dirty="0" smtClean="0"/>
+            <a:t>dotnet CLI</a:t>
+          </a:r>
+          <a:endParaRPr lang="en-US" sz="3600" kern="1200" dirty="0"/>
+        </a:p>
+      </dsp:txBody>
+      <dsp:txXfrm>
+        <a:off x="2031999" y="4368800"/>
+        <a:ext cx="4064000" cy="1016000"/>
+      </dsp:txXfrm>
+    </dsp:sp>
+    <dsp:sp modelId="{B19AC436-4DF8-4C08-926C-D50DB9D12085}">
+      <dsp:nvSpPr>
+        <dsp:cNvPr id="0" name=""/>
+        <dsp:cNvSpPr/>
+      </dsp:nvSpPr>
+      <dsp:spPr>
+        <a:xfrm>
+          <a:off x="3461173" y="1854538"/>
+          <a:ext cx="1524000" cy="1524000"/>
+        </a:xfrm>
+        <a:prstGeom prst="ellipse">
+          <a:avLst/>
+        </a:prstGeom>
+        <a:solidFill>
+          <a:schemeClr val="accent1">
+            <a:hueOff val="0"/>
+            <a:satOff val="0"/>
+            <a:lumOff val="0"/>
+            <a:alphaOff val="0"/>
+          </a:schemeClr>
+        </a:solidFill>
+        <a:ln w="19050" cap="rnd" cmpd="sng" algn="ctr">
+          <a:solidFill>
+            <a:schemeClr val="lt1">
+              <a:hueOff val="0"/>
+              <a:satOff val="0"/>
+              <a:lumOff val="0"/>
+              <a:alphaOff val="0"/>
+            </a:schemeClr>
+          </a:solidFill>
+          <a:prstDash val="solid"/>
+        </a:ln>
+        <a:effectLst/>
+      </dsp:spPr>
+      <dsp:style>
+        <a:lnRef idx="2">
+          <a:scrgbClr r="0" g="0" b="0"/>
+        </a:lnRef>
+        <a:fillRef idx="1">
+          <a:scrgbClr r="0" g="0" b="0"/>
+        </a:fillRef>
+        <a:effectRef idx="0">
+          <a:scrgbClr r="0" g="0" b="0"/>
+        </a:effectRef>
+        <a:fontRef idx="minor">
+          <a:schemeClr val="lt1"/>
+        </a:fontRef>
+      </dsp:style>
+      <dsp:txBody>
+        <a:bodyPr spcFirstLastPara="0" vert="horz" wrap="square" lIns="38100" tIns="38100" rIns="38100" bIns="38100" numCol="1" spcCol="1270" anchor="ctr" anchorCtr="0">
+          <a:noAutofit/>
+        </a:bodyPr>
+        <a:lstStyle/>
+        <a:p>
+          <a:pPr lvl="0" algn="ctr" defTabSz="1333500">
+            <a:lnSpc>
+              <a:spcPct val="90000"/>
+            </a:lnSpc>
+            <a:spcBef>
+              <a:spcPct val="0"/>
+            </a:spcBef>
+            <a:spcAft>
+              <a:spcPct val="35000"/>
+            </a:spcAft>
+          </a:pPr>
+          <a:r>
+            <a:rPr lang="en-US" sz="3000" kern="1200" dirty="0" smtClean="0"/>
+            <a:t>DNVM</a:t>
+          </a:r>
+          <a:endParaRPr lang="en-US" sz="3000" kern="1200" dirty="0"/>
+        </a:p>
+      </dsp:txBody>
+      <dsp:txXfrm>
+        <a:off x="3684358" y="2077723"/>
+        <a:ext cx="1077630" cy="1077630"/>
+      </dsp:txXfrm>
+    </dsp:sp>
+    <dsp:sp modelId="{8CDB8FD0-72FA-499C-B88E-4E068EA69195}">
+      <dsp:nvSpPr>
+        <dsp:cNvPr id="0" name=""/>
+        <dsp:cNvSpPr/>
+      </dsp:nvSpPr>
+      <dsp:spPr>
+        <a:xfrm>
+          <a:off x="2370666" y="711200"/>
+          <a:ext cx="1524000" cy="1524000"/>
+        </a:xfrm>
+        <a:prstGeom prst="ellipse">
+          <a:avLst/>
+        </a:prstGeom>
+        <a:solidFill>
+          <a:schemeClr val="accent1">
+            <a:hueOff val="0"/>
+            <a:satOff val="0"/>
+            <a:lumOff val="0"/>
+            <a:alphaOff val="0"/>
+          </a:schemeClr>
+        </a:solidFill>
+        <a:ln w="19050" cap="rnd" cmpd="sng" algn="ctr">
+          <a:solidFill>
+            <a:schemeClr val="lt1">
+              <a:hueOff val="0"/>
+              <a:satOff val="0"/>
+              <a:lumOff val="0"/>
+              <a:alphaOff val="0"/>
+            </a:schemeClr>
+          </a:solidFill>
+          <a:prstDash val="solid"/>
+        </a:ln>
+        <a:effectLst/>
+      </dsp:spPr>
+      <dsp:style>
+        <a:lnRef idx="2">
+          <a:scrgbClr r="0" g="0" b="0"/>
+        </a:lnRef>
+        <a:fillRef idx="1">
+          <a:scrgbClr r="0" g="0" b="0"/>
+        </a:fillRef>
+        <a:effectRef idx="0">
+          <a:scrgbClr r="0" g="0" b="0"/>
+        </a:effectRef>
+        <a:fontRef idx="minor">
+          <a:schemeClr val="lt1"/>
+        </a:fontRef>
+      </dsp:style>
+      <dsp:txBody>
+        <a:bodyPr spcFirstLastPara="0" vert="horz" wrap="square" lIns="38100" tIns="38100" rIns="38100" bIns="38100" numCol="1" spcCol="1270" anchor="ctr" anchorCtr="0">
+          <a:noAutofit/>
+        </a:bodyPr>
+        <a:lstStyle/>
+        <a:p>
+          <a:pPr lvl="0" algn="ctr" defTabSz="1333500">
+            <a:lnSpc>
+              <a:spcPct val="90000"/>
+            </a:lnSpc>
+            <a:spcBef>
+              <a:spcPct val="0"/>
+            </a:spcBef>
+            <a:spcAft>
+              <a:spcPct val="35000"/>
+            </a:spcAft>
+          </a:pPr>
+          <a:r>
+            <a:rPr lang="en-US" sz="3000" kern="1200" dirty="0" smtClean="0"/>
+            <a:t>DNX</a:t>
+          </a:r>
+          <a:endParaRPr lang="en-US" sz="3000" kern="1200" dirty="0"/>
+        </a:p>
+      </dsp:txBody>
+      <dsp:txXfrm>
+        <a:off x="2593851" y="934385"/>
+        <a:ext cx="1077630" cy="1077630"/>
+      </dsp:txXfrm>
+    </dsp:sp>
+    <dsp:sp modelId="{71F14A9E-0840-46B5-8EF7-0D0179E9C58E}">
+      <dsp:nvSpPr>
+        <dsp:cNvPr id="0" name=""/>
+        <dsp:cNvSpPr/>
+      </dsp:nvSpPr>
+      <dsp:spPr>
+        <a:xfrm>
+          <a:off x="3928533" y="342730"/>
+          <a:ext cx="1524000" cy="1524000"/>
+        </a:xfrm>
+        <a:prstGeom prst="ellipse">
+          <a:avLst/>
+        </a:prstGeom>
+        <a:solidFill>
+          <a:schemeClr val="accent1">
+            <a:hueOff val="0"/>
+            <a:satOff val="0"/>
+            <a:lumOff val="0"/>
+            <a:alphaOff val="0"/>
+          </a:schemeClr>
+        </a:solidFill>
+        <a:ln w="19050" cap="rnd" cmpd="sng" algn="ctr">
+          <a:solidFill>
+            <a:schemeClr val="lt1">
+              <a:hueOff val="0"/>
+              <a:satOff val="0"/>
+              <a:lumOff val="0"/>
+              <a:alphaOff val="0"/>
+            </a:schemeClr>
+          </a:solidFill>
+          <a:prstDash val="solid"/>
+        </a:ln>
+        <a:effectLst/>
+      </dsp:spPr>
+      <dsp:style>
+        <a:lnRef idx="2">
+          <a:scrgbClr r="0" g="0" b="0"/>
+        </a:lnRef>
+        <a:fillRef idx="1">
+          <a:scrgbClr r="0" g="0" b="0"/>
+        </a:fillRef>
+        <a:effectRef idx="0">
+          <a:scrgbClr r="0" g="0" b="0"/>
+        </a:effectRef>
+        <a:fontRef idx="minor">
+          <a:schemeClr val="lt1"/>
+        </a:fontRef>
+      </dsp:style>
+      <dsp:txBody>
+        <a:bodyPr spcFirstLastPara="0" vert="horz" wrap="square" lIns="38100" tIns="38100" rIns="38100" bIns="38100" numCol="1" spcCol="1270" anchor="ctr" anchorCtr="0">
+          <a:noAutofit/>
+        </a:bodyPr>
+        <a:lstStyle/>
+        <a:p>
+          <a:pPr lvl="0" algn="ctr" defTabSz="1333500">
+            <a:lnSpc>
+              <a:spcPct val="90000"/>
+            </a:lnSpc>
+            <a:spcBef>
+              <a:spcPct val="0"/>
+            </a:spcBef>
+            <a:spcAft>
+              <a:spcPct val="35000"/>
+            </a:spcAft>
+          </a:pPr>
+          <a:r>
+            <a:rPr lang="en-US" sz="3000" kern="1200" dirty="0" smtClean="0"/>
+            <a:t>DNU</a:t>
+          </a:r>
+          <a:endParaRPr lang="en-US" sz="3000" kern="1200" dirty="0"/>
+        </a:p>
+      </dsp:txBody>
+      <dsp:txXfrm>
+        <a:off x="4151718" y="565915"/>
+        <a:ext cx="1077630" cy="1077630"/>
+      </dsp:txXfrm>
+    </dsp:sp>
+    <dsp:sp modelId="{012112E1-3F87-4D99-A816-1C48948C5C0D}">
+      <dsp:nvSpPr>
+        <dsp:cNvPr id="0" name=""/>
+        <dsp:cNvSpPr/>
+      </dsp:nvSpPr>
+      <dsp:spPr>
+        <a:xfrm>
+          <a:off x="1693333" y="33866"/>
+          <a:ext cx="4741333" cy="3793066"/>
+        </a:xfrm>
+        <a:prstGeom prst="funnel">
+          <a:avLst/>
+        </a:prstGeom>
+        <a:solidFill>
+          <a:schemeClr val="lt1">
+            <a:alpha val="40000"/>
+            <a:hueOff val="0"/>
+            <a:satOff val="0"/>
+            <a:lumOff val="0"/>
+            <a:alphaOff val="0"/>
+          </a:schemeClr>
+        </a:solidFill>
+        <a:ln w="12700" cap="rnd" cmpd="sng" algn="ctr">
+          <a:solidFill>
+            <a:schemeClr val="accent1">
+              <a:hueOff val="0"/>
+              <a:satOff val="0"/>
+              <a:lumOff val="0"/>
+              <a:alphaOff val="0"/>
+            </a:schemeClr>
+          </a:solidFill>
+          <a:prstDash val="solid"/>
+        </a:ln>
+        <a:effectLst/>
+      </dsp:spPr>
+      <dsp:style>
+        <a:lnRef idx="1">
+          <a:scrgbClr r="0" g="0" b="0"/>
+        </a:lnRef>
+        <a:fillRef idx="1">
+          <a:scrgbClr r="0" g="0" b="0"/>
+        </a:fillRef>
+        <a:effectRef idx="0">
+          <a:scrgbClr r="0" g="0" b="0"/>
+        </a:effectRef>
+        <a:fontRef idx="minor"/>
+      </dsp:style>
+    </dsp:sp>
   </dsp:spTree>
 </dsp:drawing>
 </file>
@@ -9107,7 +9890,7 @@
             </a:lvl1pPr>
           </a:lstStyle>
           <a:p>
-            <a:endParaRPr lang="en-US"/>
+            <a:endParaRPr lang="en-US" dirty="0"/>
           </a:p>
         </p:txBody>
       </p:sp>
@@ -9142,7 +9925,7 @@
               <a:rPr lang="en-US" smtClean="0"/>
               <a:t>12/2/2015</a:t>
             </a:fld>
-            <a:endParaRPr lang="en-US"/>
+            <a:endParaRPr lang="en-US" dirty="0"/>
           </a:p>
         </p:txBody>
       </p:sp>
@@ -9175,7 +9958,7 @@
           <a:bodyPr vert="horz" lIns="91440" tIns="45720" rIns="91440" bIns="45720" rtlCol="0" anchor="ctr"/>
           <a:lstStyle/>
           <a:p>
-            <a:endParaRPr lang="en-US"/>
+            <a:endParaRPr lang="en-US" dirty="0"/>
           </a:p>
         </p:txBody>
       </p:sp>
@@ -9266,7 +10049,7 @@
             </a:lvl1pPr>
           </a:lstStyle>
           <a:p>
-            <a:endParaRPr lang="en-US"/>
+            <a:endParaRPr lang="en-US" dirty="0"/>
           </a:p>
         </p:txBody>
       </p:sp>
@@ -9301,7 +10084,7 @@
               <a:rPr lang="en-US" smtClean="0"/>
               <a:t>‹#›</a:t>
             </a:fld>
-            <a:endParaRPr lang="en-US"/>
+            <a:endParaRPr lang="en-US" dirty="0"/>
           </a:p>
         </p:txBody>
       </p:sp>
@@ -9452,7 +10235,7 @@
           <a:bodyPr/>
           <a:lstStyle/>
           <a:p>
-            <a:endParaRPr lang="en-US"/>
+            <a:endParaRPr lang="en-US" dirty="0"/>
           </a:p>
         </p:txBody>
       </p:sp>
@@ -9475,7 +10258,7 @@
               <a:rPr lang="en-US" smtClean="0"/>
               <a:t>1</a:t>
             </a:fld>
-            <a:endParaRPr lang="en-US"/>
+            <a:endParaRPr lang="en-US" dirty="0"/>
           </a:p>
         </p:txBody>
       </p:sp>
@@ -10239,7 +11022,7 @@
               <a:rPr lang="en-US" smtClean="0"/>
               <a:t>12/2/2015</a:t>
             </a:fld>
-            <a:endParaRPr lang="en-US"/>
+            <a:endParaRPr lang="en-US" dirty="0"/>
           </a:p>
         </p:txBody>
       </p:sp>
@@ -10258,7 +11041,7 @@
           <a:bodyPr/>
           <a:lstStyle/>
           <a:p>
-            <a:endParaRPr lang="en-US"/>
+            <a:endParaRPr lang="en-US" dirty="0"/>
           </a:p>
         </p:txBody>
       </p:sp>
@@ -10281,7 +11064,7 @@
               <a:rPr lang="en-US" smtClean="0"/>
               <a:t>‹#›</a:t>
             </a:fld>
-            <a:endParaRPr lang="en-US"/>
+            <a:endParaRPr lang="en-US" dirty="0"/>
           </a:p>
         </p:txBody>
       </p:sp>
@@ -10490,7 +11273,7 @@
               <a:rPr lang="en-US" smtClean="0"/>
               <a:t>12/2/2015</a:t>
             </a:fld>
-            <a:endParaRPr lang="en-US"/>
+            <a:endParaRPr lang="en-US" dirty="0"/>
           </a:p>
         </p:txBody>
       </p:sp>
@@ -10509,7 +11292,7 @@
           <a:bodyPr/>
           <a:lstStyle/>
           <a:p>
-            <a:endParaRPr lang="en-US"/>
+            <a:endParaRPr lang="en-US" dirty="0"/>
           </a:p>
         </p:txBody>
       </p:sp>
@@ -10532,7 +11315,7 @@
               <a:rPr lang="en-US" smtClean="0"/>
               <a:t>‹#›</a:t>
             </a:fld>
-            <a:endParaRPr lang="en-US"/>
+            <a:endParaRPr lang="en-US" dirty="0"/>
           </a:p>
         </p:txBody>
       </p:sp>
@@ -10804,7 +11587,7 @@
               <a:rPr lang="en-US" smtClean="0"/>
               <a:t>12/2/2015</a:t>
             </a:fld>
-            <a:endParaRPr lang="en-US"/>
+            <a:endParaRPr lang="en-US" dirty="0"/>
           </a:p>
         </p:txBody>
       </p:sp>
@@ -10823,7 +11606,7 @@
           <a:bodyPr/>
           <a:lstStyle/>
           <a:p>
-            <a:endParaRPr lang="en-US"/>
+            <a:endParaRPr lang="en-US" dirty="0"/>
           </a:p>
         </p:txBody>
       </p:sp>
@@ -10846,7 +11629,7 @@
               <a:rPr lang="en-US" smtClean="0"/>
               <a:t>‹#›</a:t>
             </a:fld>
-            <a:endParaRPr lang="en-US"/>
+            <a:endParaRPr lang="en-US" dirty="0"/>
           </a:p>
         </p:txBody>
       </p:sp>
@@ -11137,7 +11920,7 @@
               <a:rPr lang="en-US" smtClean="0"/>
               <a:t>12/2/2015</a:t>
             </a:fld>
-            <a:endParaRPr lang="en-US"/>
+            <a:endParaRPr lang="en-US" dirty="0"/>
           </a:p>
         </p:txBody>
       </p:sp>
@@ -11156,7 +11939,7 @@
           <a:bodyPr/>
           <a:lstStyle/>
           <a:p>
-            <a:endParaRPr lang="en-US"/>
+            <a:endParaRPr lang="en-US" dirty="0"/>
           </a:p>
         </p:txBody>
       </p:sp>
@@ -11179,7 +11962,7 @@
               <a:rPr lang="en-US" smtClean="0"/>
               <a:t>‹#›</a:t>
             </a:fld>
-            <a:endParaRPr lang="en-US"/>
+            <a:endParaRPr lang="en-US" dirty="0"/>
           </a:p>
         </p:txBody>
       </p:sp>
@@ -11451,7 +12234,7 @@
               <a:rPr lang="en-US" smtClean="0"/>
               <a:t>12/2/2015</a:t>
             </a:fld>
-            <a:endParaRPr lang="en-US"/>
+            <a:endParaRPr lang="en-US" dirty="0"/>
           </a:p>
         </p:txBody>
       </p:sp>
@@ -11470,7 +12253,7 @@
           <a:bodyPr/>
           <a:lstStyle/>
           <a:p>
-            <a:endParaRPr lang="en-US"/>
+            <a:endParaRPr lang="en-US" dirty="0"/>
           </a:p>
         </p:txBody>
       </p:sp>
@@ -11493,7 +12276,7 @@
               <a:rPr lang="en-US" smtClean="0"/>
               <a:t>‹#›</a:t>
             </a:fld>
-            <a:endParaRPr lang="en-US"/>
+            <a:endParaRPr lang="en-US" dirty="0"/>
           </a:p>
         </p:txBody>
       </p:sp>
@@ -11844,7 +12627,7 @@
               <a:rPr lang="en-US" smtClean="0"/>
               <a:t>12/2/2015</a:t>
             </a:fld>
-            <a:endParaRPr lang="en-US"/>
+            <a:endParaRPr lang="en-US" dirty="0"/>
           </a:p>
         </p:txBody>
       </p:sp>
@@ -11863,7 +12646,7 @@
           <a:bodyPr/>
           <a:lstStyle/>
           <a:p>
-            <a:endParaRPr lang="en-US"/>
+            <a:endParaRPr lang="en-US" dirty="0"/>
           </a:p>
         </p:txBody>
       </p:sp>
@@ -11886,7 +12669,7 @@
               <a:rPr lang="en-US" smtClean="0"/>
               <a:t>‹#›</a:t>
             </a:fld>
-            <a:endParaRPr lang="en-US"/>
+            <a:endParaRPr lang="en-US" dirty="0"/>
           </a:p>
         </p:txBody>
       </p:sp>
@@ -12014,7 +12797,7 @@
               <a:rPr lang="en-US" smtClean="0"/>
               <a:t>12/2/2015</a:t>
             </a:fld>
-            <a:endParaRPr lang="en-US"/>
+            <a:endParaRPr lang="en-US" dirty="0"/>
           </a:p>
         </p:txBody>
       </p:sp>
@@ -12033,7 +12816,7 @@
           <a:bodyPr/>
           <a:lstStyle/>
           <a:p>
-            <a:endParaRPr lang="en-US"/>
+            <a:endParaRPr lang="en-US" dirty="0"/>
           </a:p>
         </p:txBody>
       </p:sp>
@@ -12056,7 +12839,7 @@
               <a:rPr lang="en-US" smtClean="0"/>
               <a:t>‹#›</a:t>
             </a:fld>
-            <a:endParaRPr lang="en-US"/>
+            <a:endParaRPr lang="en-US" dirty="0"/>
           </a:p>
         </p:txBody>
       </p:sp>
@@ -12194,7 +12977,7 @@
               <a:rPr lang="en-US" smtClean="0"/>
               <a:t>12/2/2015</a:t>
             </a:fld>
-            <a:endParaRPr lang="en-US"/>
+            <a:endParaRPr lang="en-US" dirty="0"/>
           </a:p>
         </p:txBody>
       </p:sp>
@@ -12213,7 +12996,7 @@
           <a:bodyPr/>
           <a:lstStyle/>
           <a:p>
-            <a:endParaRPr lang="en-US"/>
+            <a:endParaRPr lang="en-US" dirty="0"/>
           </a:p>
         </p:txBody>
       </p:sp>
@@ -12236,7 +13019,7 @@
               <a:rPr lang="en-US" smtClean="0"/>
               <a:t>‹#›</a:t>
             </a:fld>
-            <a:endParaRPr lang="en-US"/>
+            <a:endParaRPr lang="en-US" dirty="0"/>
           </a:p>
         </p:txBody>
       </p:sp>
@@ -12364,7 +13147,7 @@
               <a:rPr lang="en-US" smtClean="0"/>
               <a:t>12/2/2015</a:t>
             </a:fld>
-            <a:endParaRPr lang="en-US"/>
+            <a:endParaRPr lang="en-US" dirty="0"/>
           </a:p>
         </p:txBody>
       </p:sp>
@@ -12383,7 +13166,7 @@
           <a:bodyPr/>
           <a:lstStyle/>
           <a:p>
-            <a:endParaRPr lang="en-US"/>
+            <a:endParaRPr lang="en-US" dirty="0"/>
           </a:p>
         </p:txBody>
       </p:sp>
@@ -12406,7 +13189,7 @@
               <a:rPr lang="en-US" smtClean="0"/>
               <a:t>‹#›</a:t>
             </a:fld>
-            <a:endParaRPr lang="en-US"/>
+            <a:endParaRPr lang="en-US" dirty="0"/>
           </a:p>
         </p:txBody>
       </p:sp>
@@ -12611,7 +13394,7 @@
               <a:rPr lang="en-US" smtClean="0"/>
               <a:t>12/2/2015</a:t>
             </a:fld>
-            <a:endParaRPr lang="en-US"/>
+            <a:endParaRPr lang="en-US" dirty="0"/>
           </a:p>
         </p:txBody>
       </p:sp>
@@ -12630,7 +13413,7 @@
           <a:bodyPr/>
           <a:lstStyle/>
           <a:p>
-            <a:endParaRPr lang="en-US"/>
+            <a:endParaRPr lang="en-US" dirty="0"/>
           </a:p>
         </p:txBody>
       </p:sp>
@@ -12653,7 +13436,7 @@
               <a:rPr lang="en-US" smtClean="0"/>
               <a:t>‹#›</a:t>
             </a:fld>
-            <a:endParaRPr lang="en-US"/>
+            <a:endParaRPr lang="en-US" dirty="0"/>
           </a:p>
         </p:txBody>
       </p:sp>
@@ -12843,7 +13626,7 @@
               <a:rPr lang="en-US" smtClean="0"/>
               <a:t>12/2/2015</a:t>
             </a:fld>
-            <a:endParaRPr lang="en-US"/>
+            <a:endParaRPr lang="en-US" dirty="0"/>
           </a:p>
         </p:txBody>
       </p:sp>
@@ -12862,7 +13645,7 @@
           <a:bodyPr/>
           <a:lstStyle/>
           <a:p>
-            <a:endParaRPr lang="en-US"/>
+            <a:endParaRPr lang="en-US" dirty="0"/>
           </a:p>
         </p:txBody>
       </p:sp>
@@ -12885,7 +13668,7 @@
               <a:rPr lang="en-US" smtClean="0"/>
               <a:t>‹#›</a:t>
             </a:fld>
-            <a:endParaRPr lang="en-US"/>
+            <a:endParaRPr lang="en-US" dirty="0"/>
           </a:p>
         </p:txBody>
       </p:sp>
@@ -13217,7 +14000,7 @@
               <a:rPr lang="en-US" smtClean="0"/>
               <a:t>12/2/2015</a:t>
             </a:fld>
-            <a:endParaRPr lang="en-US"/>
+            <a:endParaRPr lang="en-US" dirty="0"/>
           </a:p>
         </p:txBody>
       </p:sp>
@@ -13236,7 +14019,7 @@
           <a:bodyPr/>
           <a:lstStyle/>
           <a:p>
-            <a:endParaRPr lang="en-US"/>
+            <a:endParaRPr lang="en-US" dirty="0"/>
           </a:p>
         </p:txBody>
       </p:sp>
@@ -13259,7 +14042,7 @@
               <a:rPr lang="en-US" smtClean="0"/>
               <a:t>‹#›</a:t>
             </a:fld>
-            <a:endParaRPr lang="en-US"/>
+            <a:endParaRPr lang="en-US" dirty="0"/>
           </a:p>
         </p:txBody>
       </p:sp>
@@ -13340,7 +14123,7 @@
               <a:rPr lang="en-US" smtClean="0"/>
               <a:t>12/2/2015</a:t>
             </a:fld>
-            <a:endParaRPr lang="en-US"/>
+            <a:endParaRPr lang="en-US" dirty="0"/>
           </a:p>
         </p:txBody>
       </p:sp>
@@ -13359,7 +14142,7 @@
           <a:bodyPr/>
           <a:lstStyle/>
           <a:p>
-            <a:endParaRPr lang="en-US"/>
+            <a:endParaRPr lang="en-US" dirty="0"/>
           </a:p>
         </p:txBody>
       </p:sp>
@@ -13382,7 +14165,7 @@
               <a:rPr lang="en-US" smtClean="0"/>
               <a:t>‹#›</a:t>
             </a:fld>
-            <a:endParaRPr lang="en-US"/>
+            <a:endParaRPr lang="en-US" dirty="0"/>
           </a:p>
         </p:txBody>
       </p:sp>
@@ -13435,7 +14218,7 @@
               <a:rPr lang="en-US" smtClean="0"/>
               <a:t>12/2/2015</a:t>
             </a:fld>
-            <a:endParaRPr lang="en-US"/>
+            <a:endParaRPr lang="en-US" dirty="0"/>
           </a:p>
         </p:txBody>
       </p:sp>
@@ -13454,7 +14237,7 @@
           <a:bodyPr/>
           <a:lstStyle/>
           <a:p>
-            <a:endParaRPr lang="en-US"/>
+            <a:endParaRPr lang="en-US" dirty="0"/>
           </a:p>
         </p:txBody>
       </p:sp>
@@ -13477,7 +14260,7 @@
               <a:rPr lang="en-US" smtClean="0"/>
               <a:t>‹#›</a:t>
             </a:fld>
-            <a:endParaRPr lang="en-US"/>
+            <a:endParaRPr lang="en-US" dirty="0"/>
           </a:p>
         </p:txBody>
       </p:sp>
@@ -13690,7 +14473,7 @@
               <a:rPr lang="en-US" smtClean="0"/>
               <a:t>12/2/2015</a:t>
             </a:fld>
-            <a:endParaRPr lang="en-US"/>
+            <a:endParaRPr lang="en-US" dirty="0"/>
           </a:p>
         </p:txBody>
       </p:sp>
@@ -13709,7 +14492,7 @@
           <a:bodyPr/>
           <a:lstStyle/>
           <a:p>
-            <a:endParaRPr lang="en-US"/>
+            <a:endParaRPr lang="en-US" dirty="0"/>
           </a:p>
         </p:txBody>
       </p:sp>
@@ -13732,7 +14515,7 @@
               <a:rPr lang="en-US" smtClean="0"/>
               <a:t>‹#›</a:t>
             </a:fld>
-            <a:endParaRPr lang="en-US"/>
+            <a:endParaRPr lang="en-US" dirty="0"/>
           </a:p>
         </p:txBody>
       </p:sp>
@@ -13860,7 +14643,7 @@
           </a:lstStyle>
           <a:p>
             <a:r>
-              <a:rPr lang="en-US" smtClean="0"/>
+              <a:rPr lang="en-US" dirty="0" smtClean="0"/>
               <a:t>Click icon to add picture</a:t>
             </a:r>
             <a:endParaRPr lang="en-US" dirty="0"/>
@@ -13949,7 +14732,7 @@
           <a:bodyPr/>
           <a:lstStyle/>
           <a:p>
-            <a:endParaRPr lang="en-US"/>
+            <a:endParaRPr lang="en-US" dirty="0"/>
           </a:p>
         </p:txBody>
       </p:sp>
@@ -13972,7 +14755,7 @@
               <a:rPr lang="en-US" smtClean="0"/>
               <a:t>‹#›</a:t>
             </a:fld>
-            <a:endParaRPr lang="en-US"/>
+            <a:endParaRPr lang="en-US" dirty="0"/>
           </a:p>
         </p:txBody>
       </p:sp>
@@ -13995,7 +14778,7 @@
               <a:rPr lang="en-US" smtClean="0"/>
               <a:t>12/2/2015</a:t>
             </a:fld>
-            <a:endParaRPr lang="en-US"/>
+            <a:endParaRPr lang="en-US" dirty="0"/>
           </a:p>
         </p:txBody>
       </p:sp>
@@ -14697,7 +15480,7 @@
               <a:rPr lang="en-US" smtClean="0"/>
               <a:t>12/2/2015</a:t>
             </a:fld>
-            <a:endParaRPr lang="en-US"/>
+            <a:endParaRPr lang="en-US" dirty="0"/>
           </a:p>
         </p:txBody>
       </p:sp>
@@ -14734,7 +15517,7 @@
             </a:lvl1pPr>
           </a:lstStyle>
           <a:p>
-            <a:endParaRPr lang="en-US"/>
+            <a:endParaRPr lang="en-US" dirty="0"/>
           </a:p>
         </p:txBody>
       </p:sp>
@@ -14773,7 +15556,7 @@
               <a:rPr lang="en-US" smtClean="0"/>
               <a:t>‹#›</a:t>
             </a:fld>
-            <a:endParaRPr lang="en-US"/>
+            <a:endParaRPr lang="en-US" dirty="0"/>
           </a:p>
         </p:txBody>
       </p:sp>
@@ -15259,10 +16042,9 @@
           <a:lstStyle/>
           <a:p>
             <a:r>
-              <a:rPr lang="en-US" dirty="0" err="1" smtClean="0"/>
+              <a:rPr lang="en-US" dirty="0" smtClean="0"/>
               <a:t>MadDotNet</a:t>
             </a:r>
-            <a:endParaRPr lang="en-US" dirty="0" smtClean="0"/>
           </a:p>
           <a:p>
             <a:r>
@@ -15399,21 +16181,7 @@
                 <a:latin typeface="Consolas" panose="020B0609020204030204" pitchFamily="49" charset="0"/>
                 <a:cs typeface="Consolas" panose="020B0609020204030204" pitchFamily="49" charset="0"/>
               </a:rPr>
-              <a:t>&gt; </a:t>
-            </a:r>
-            <a:r>
-              <a:rPr lang="en-US" b="1" dirty="0" err="1" smtClean="0">
-                <a:latin typeface="Consolas" panose="020B0609020204030204" pitchFamily="49" charset="0"/>
-                <a:cs typeface="Consolas" panose="020B0609020204030204" pitchFamily="49" charset="0"/>
-              </a:rPr>
-              <a:t>dnx</a:t>
-            </a:r>
-            <a:r>
-              <a:rPr lang="en-US" b="1" dirty="0" smtClean="0">
-                <a:latin typeface="Consolas" panose="020B0609020204030204" pitchFamily="49" charset="0"/>
-                <a:cs typeface="Consolas" panose="020B0609020204030204" pitchFamily="49" charset="0"/>
-              </a:rPr>
-              <a:t> web</a:t>
+              <a:t>&gt; dnx web</a:t>
             </a:r>
             <a:endParaRPr lang="en-US" b="1" dirty="0">
               <a:latin typeface="Consolas" panose="020B0609020204030204" pitchFamily="49" charset="0"/>
@@ -15441,7 +16209,7 @@
               <a:rPr lang="en-US" smtClean="0"/>
               <a:t>10</a:t>
             </a:fld>
-            <a:endParaRPr lang="en-US"/>
+            <a:endParaRPr lang="en-US" dirty="0"/>
           </a:p>
         </p:txBody>
       </p:sp>
@@ -15588,7 +16356,7 @@
           <a:lstStyle/>
           <a:p>
             <a:r>
-              <a:rPr lang="en-US" u="sng" dirty="0" err="1" smtClean="0"/>
+              <a:rPr lang="en-US" u="sng" dirty="0" smtClean="0"/>
               <a:t>project.json</a:t>
             </a:r>
             <a:endParaRPr lang="en-US" u="sng" dirty="0"/>
@@ -15785,8 +16553,9 @@
           <a:p>
             <a:r>
               <a:rPr lang="en-US" dirty="0" smtClean="0"/>
-              <a:t>Restores</a:t>
+              <a:t>NuGet Package Restore</a:t>
             </a:r>
+            <a:endParaRPr lang="en-US" dirty="0" smtClean="0"/>
           </a:p>
           <a:p>
             <a:pPr marL="457200" lvl="1" indent="0">
@@ -15797,28 +16566,15 @@
                 <a:latin typeface="Consolas" panose="020B0609020204030204" pitchFamily="49" charset="0"/>
                 <a:cs typeface="Consolas" panose="020B0609020204030204" pitchFamily="49" charset="0"/>
               </a:rPr>
-              <a:t>&gt; </a:t>
-            </a:r>
-            <a:r>
-              <a:rPr lang="en-US" b="1" dirty="0" err="1" smtClean="0">
-                <a:latin typeface="Consolas" panose="020B0609020204030204" pitchFamily="49" charset="0"/>
-                <a:cs typeface="Consolas" panose="020B0609020204030204" pitchFamily="49" charset="0"/>
-              </a:rPr>
-              <a:t>dnu</a:t>
-            </a:r>
-            <a:r>
-              <a:rPr lang="en-US" b="1" dirty="0" smtClean="0">
-                <a:latin typeface="Consolas" panose="020B0609020204030204" pitchFamily="49" charset="0"/>
-                <a:cs typeface="Consolas" panose="020B0609020204030204" pitchFamily="49" charset="0"/>
-              </a:rPr>
-              <a:t> restore</a:t>
+              <a:t>&gt; dnu restore</a:t>
             </a:r>
           </a:p>
           <a:p>
             <a:r>
               <a:rPr lang="en-US" dirty="0" smtClean="0"/>
-              <a:t>Builds</a:t>
+              <a:t>Build App</a:t>
             </a:r>
+            <a:endParaRPr lang="en-US" dirty="0" smtClean="0"/>
           </a:p>
           <a:p>
             <a:pPr marL="457200" lvl="1" indent="0">
@@ -15839,25 +16595,19 @@
               <a:t> </a:t>
             </a:r>
             <a:r>
-              <a:rPr lang="en-US" b="1" dirty="0" err="1" smtClean="0">
-                <a:latin typeface="Consolas" panose="020B0609020204030204" pitchFamily="49" charset="0"/>
-                <a:cs typeface="Consolas" panose="020B0609020204030204" pitchFamily="49" charset="0"/>
-              </a:rPr>
-              <a:t>dnu</a:t>
-            </a:r>
-            <a:r>
               <a:rPr lang="en-US" b="1" dirty="0" smtClean="0">
                 <a:latin typeface="Consolas" panose="020B0609020204030204" pitchFamily="49" charset="0"/>
                 <a:cs typeface="Consolas" panose="020B0609020204030204" pitchFamily="49" charset="0"/>
               </a:rPr>
-              <a:t> build</a:t>
+              <a:t>dnu build</a:t>
             </a:r>
           </a:p>
           <a:p>
             <a:r>
               <a:rPr lang="en-US" dirty="0" smtClean="0"/>
-              <a:t>Packages</a:t>
+              <a:t>Commands Management</a:t>
             </a:r>
+            <a:endParaRPr lang="en-US" dirty="0" smtClean="0"/>
           </a:p>
           <a:p>
             <a:pPr marL="457200" lvl="1" indent="0">
@@ -15878,25 +16628,30 @@
               <a:t> </a:t>
             </a:r>
             <a:r>
-              <a:rPr lang="en-US" b="1" dirty="0" err="1" smtClean="0">
+              <a:rPr lang="en-US" b="1" dirty="0" smtClean="0">
                 <a:latin typeface="Consolas" panose="020B0609020204030204" pitchFamily="49" charset="0"/>
                 <a:cs typeface="Consolas" panose="020B0609020204030204" pitchFamily="49" charset="0"/>
               </a:rPr>
-              <a:t>dnu</a:t>
+              <a:t>dnu </a:t>
             </a:r>
             <a:r>
               <a:rPr lang="en-US" b="1" dirty="0" smtClean="0">
                 <a:latin typeface="Consolas" panose="020B0609020204030204" pitchFamily="49" charset="0"/>
                 <a:cs typeface="Consolas" panose="020B0609020204030204" pitchFamily="49" charset="0"/>
               </a:rPr>
-              <a:t> pack</a:t>
+              <a:t>install</a:t>
             </a:r>
+            <a:endParaRPr lang="en-US" b="1" dirty="0" smtClean="0">
+              <a:latin typeface="Consolas" panose="020B0609020204030204" pitchFamily="49" charset="0"/>
+              <a:cs typeface="Consolas" panose="020B0609020204030204" pitchFamily="49" charset="0"/>
+            </a:endParaRPr>
           </a:p>
           <a:p>
             <a:r>
               <a:rPr lang="en-US" dirty="0" smtClean="0"/>
-              <a:t>Publishes</a:t>
+              <a:t>Publish App</a:t>
             </a:r>
+            <a:endParaRPr lang="en-US" dirty="0" smtClean="0"/>
           </a:p>
           <a:p>
             <a:pPr marL="457200" lvl="1" indent="0">
@@ -15917,18 +16672,11 @@
               <a:t> </a:t>
             </a:r>
             <a:r>
-              <a:rPr lang="en-US" b="1" dirty="0" err="1" smtClean="0">
-                <a:latin typeface="Consolas" panose="020B0609020204030204" pitchFamily="49" charset="0"/>
-                <a:cs typeface="Consolas" panose="020B0609020204030204" pitchFamily="49" charset="0"/>
-              </a:rPr>
-              <a:t>dnu</a:t>
-            </a:r>
-            <a:r>
               <a:rPr lang="en-US" b="1" dirty="0" smtClean="0">
                 <a:latin typeface="Consolas" panose="020B0609020204030204" pitchFamily="49" charset="0"/>
                 <a:cs typeface="Consolas" panose="020B0609020204030204" pitchFamily="49" charset="0"/>
               </a:rPr>
-              <a:t> publish</a:t>
+              <a:t>dnu publish</a:t>
             </a:r>
             <a:endParaRPr lang="en-US" b="1" dirty="0">
               <a:latin typeface="Consolas" panose="020B0609020204030204" pitchFamily="49" charset="0"/>
@@ -15956,7 +16704,7 @@
               <a:rPr lang="en-US" smtClean="0"/>
               <a:t>11</a:t>
             </a:fld>
-            <a:endParaRPr lang="en-US"/>
+            <a:endParaRPr lang="en-US" dirty="0"/>
           </a:p>
         </p:txBody>
       </p:sp>
@@ -16038,15 +16786,7 @@
           <a:p>
             <a:r>
               <a:rPr lang="en-US" dirty="0" smtClean="0"/>
-              <a:t>DNU – </a:t>
-            </a:r>
-            <a:r>
-              <a:rPr lang="en-US" dirty="0" err="1" smtClean="0"/>
-              <a:t>NuGet</a:t>
-            </a:r>
-            <a:r>
-              <a:rPr lang="en-US" dirty="0" smtClean="0"/>
-              <a:t> Package Restore</a:t>
+              <a:t>DNU – NuGet Package Restore</a:t>
             </a:r>
             <a:endParaRPr lang="en-US" dirty="0"/>
           </a:p>
@@ -16075,21 +16815,7 @@
                 <a:latin typeface="Consolas" panose="020B0609020204030204" pitchFamily="49" charset="0"/>
                 <a:cs typeface="Consolas" panose="020B0609020204030204" pitchFamily="49" charset="0"/>
               </a:rPr>
-              <a:t>&gt; </a:t>
-            </a:r>
-            <a:r>
-              <a:rPr lang="en-US" b="1" dirty="0" err="1" smtClean="0">
-                <a:latin typeface="Consolas" panose="020B0609020204030204" pitchFamily="49" charset="0"/>
-                <a:cs typeface="Consolas" panose="020B0609020204030204" pitchFamily="49" charset="0"/>
-              </a:rPr>
-              <a:t>dnu</a:t>
-            </a:r>
-            <a:r>
-              <a:rPr lang="en-US" b="1" dirty="0" smtClean="0">
-                <a:latin typeface="Consolas" panose="020B0609020204030204" pitchFamily="49" charset="0"/>
-                <a:cs typeface="Consolas" panose="020B0609020204030204" pitchFamily="49" charset="0"/>
-              </a:rPr>
-              <a:t> restore</a:t>
+              <a:t>&gt; dnu restore</a:t>
             </a:r>
             <a:endParaRPr lang="en-US" b="1" dirty="0">
               <a:latin typeface="Consolas" panose="020B0609020204030204" pitchFamily="49" charset="0"/>
@@ -16117,7 +16843,7 @@
               <a:rPr lang="en-US" smtClean="0"/>
               <a:t>12</a:t>
             </a:fld>
-            <a:endParaRPr lang="en-US"/>
+            <a:endParaRPr lang="en-US" dirty="0"/>
           </a:p>
         </p:txBody>
       </p:sp>
@@ -16294,7 +17020,7 @@
           <a:lstStyle/>
           <a:p>
             <a:r>
-              <a:rPr lang="en-US" u="sng" dirty="0" err="1" smtClean="0"/>
+              <a:rPr lang="en-US" u="sng" dirty="0" smtClean="0"/>
               <a:t>NuGet.config</a:t>
             </a:r>
             <a:endParaRPr lang="en-US" u="sng" dirty="0"/>
@@ -16324,7 +17050,7 @@
           <a:lstStyle/>
           <a:p>
             <a:r>
-              <a:rPr lang="en-US" u="sng" dirty="0" err="1" smtClean="0"/>
+              <a:rPr lang="en-US" u="sng" dirty="0" smtClean="0"/>
               <a:t>project.json</a:t>
             </a:r>
             <a:endParaRPr lang="en-US" u="sng" dirty="0"/>
@@ -16522,21 +17248,7 @@
                 <a:latin typeface="Consolas" panose="020B0609020204030204" pitchFamily="49" charset="0"/>
                 <a:cs typeface="Consolas" panose="020B0609020204030204" pitchFamily="49" charset="0"/>
               </a:rPr>
-              <a:t>&gt; </a:t>
-            </a:r>
-            <a:r>
-              <a:rPr lang="en-US" b="1" dirty="0" err="1" smtClean="0">
-                <a:latin typeface="Consolas" panose="020B0609020204030204" pitchFamily="49" charset="0"/>
-                <a:cs typeface="Consolas" panose="020B0609020204030204" pitchFamily="49" charset="0"/>
-              </a:rPr>
-              <a:t>dnu</a:t>
-            </a:r>
-            <a:r>
-              <a:rPr lang="en-US" b="1" dirty="0" smtClean="0">
-                <a:latin typeface="Consolas" panose="020B0609020204030204" pitchFamily="49" charset="0"/>
-                <a:cs typeface="Consolas" panose="020B0609020204030204" pitchFamily="49" charset="0"/>
-              </a:rPr>
-              <a:t> publish</a:t>
+              <a:t>&gt; dnu publish</a:t>
             </a:r>
             <a:endParaRPr lang="en-US" b="1" dirty="0">
               <a:latin typeface="Consolas" panose="020B0609020204030204" pitchFamily="49" charset="0"/>
@@ -16564,7 +17276,7 @@
               <a:rPr lang="en-US" smtClean="0"/>
               <a:t>13</a:t>
             </a:fld>
-            <a:endParaRPr lang="en-US"/>
+            <a:endParaRPr lang="en-US" dirty="0"/>
           </a:p>
         </p:txBody>
       </p:sp>
@@ -16687,7 +17399,7 @@
           <a:lstStyle/>
           <a:p>
             <a:r>
-              <a:rPr lang="en-US" u="sng" dirty="0" err="1" smtClean="0"/>
+              <a:rPr lang="en-US" u="sng" dirty="0" smtClean="0"/>
               <a:t>project.json</a:t>
             </a:r>
             <a:endParaRPr lang="en-US" u="sng" dirty="0"/>
@@ -16931,7 +17643,7 @@
               <a:rPr lang="en-US" smtClean="0"/>
               <a:t>14</a:t>
             </a:fld>
-            <a:endParaRPr lang="en-US"/>
+            <a:endParaRPr lang="en-US" dirty="0"/>
           </a:p>
         </p:txBody>
       </p:sp>
@@ -17026,21 +17738,7 @@
                 <a:latin typeface="Consolas" panose="020B0609020204030204" pitchFamily="49" charset="0"/>
                 <a:cs typeface="Consolas" panose="020B0609020204030204" pitchFamily="49" charset="0"/>
               </a:rPr>
-              <a:t>&gt; </a:t>
-            </a:r>
-            <a:r>
-              <a:rPr lang="en-US" dirty="0" err="1" smtClean="0">
-                <a:latin typeface="Consolas" panose="020B0609020204030204" pitchFamily="49" charset="0"/>
-                <a:cs typeface="Consolas" panose="020B0609020204030204" pitchFamily="49" charset="0"/>
-              </a:rPr>
-              <a:t>dnu</a:t>
-            </a:r>
-            <a:r>
-              <a:rPr lang="en-US" dirty="0" smtClean="0">
-                <a:latin typeface="Consolas" panose="020B0609020204030204" pitchFamily="49" charset="0"/>
-                <a:cs typeface="Consolas" panose="020B0609020204030204" pitchFamily="49" charset="0"/>
-              </a:rPr>
-              <a:t> restore</a:t>
+              <a:t>&gt; dnu restore</a:t>
             </a:r>
             <a:endParaRPr lang="en-US" dirty="0">
               <a:latin typeface="Consolas" panose="020B0609020204030204" pitchFamily="49" charset="0"/>
@@ -17096,21 +17794,7 @@
                 <a:latin typeface="Consolas" panose="020B0609020204030204" pitchFamily="49" charset="0"/>
                 <a:cs typeface="Consolas" panose="020B0609020204030204" pitchFamily="49" charset="0"/>
               </a:rPr>
-              <a:t>&gt; </a:t>
-            </a:r>
-            <a:r>
-              <a:rPr lang="en-US" dirty="0" err="1" smtClean="0">
-                <a:latin typeface="Consolas" panose="020B0609020204030204" pitchFamily="49" charset="0"/>
-                <a:cs typeface="Consolas" panose="020B0609020204030204" pitchFamily="49" charset="0"/>
-              </a:rPr>
-              <a:t>dnx</a:t>
-            </a:r>
-            <a:r>
-              <a:rPr lang="en-US" dirty="0" smtClean="0">
-                <a:latin typeface="Consolas" panose="020B0609020204030204" pitchFamily="49" charset="0"/>
-                <a:cs typeface="Consolas" panose="020B0609020204030204" pitchFamily="49" charset="0"/>
-              </a:rPr>
-              <a:t> web</a:t>
+              <a:t>&gt; dnx web</a:t>
             </a:r>
             <a:endParaRPr lang="en-US" dirty="0">
               <a:latin typeface="Consolas" panose="020B0609020204030204" pitchFamily="49" charset="0"/>
@@ -17385,7 +18069,7 @@
               <a:rPr lang="en-US" smtClean="0"/>
               <a:t>15</a:t>
             </a:fld>
-            <a:endParaRPr lang="en-US"/>
+            <a:endParaRPr lang="en-US" dirty="0"/>
           </a:p>
         </p:txBody>
       </p:sp>
@@ -17538,12 +18222,8 @@
           <a:p>
             <a:pPr algn="ctr"/>
             <a:r>
-              <a:rPr lang="en-US" dirty="0" err="1" smtClean="0"/>
-              <a:t>OmniSharp</a:t>
-            </a:r>
-            <a:r>
               <a:rPr lang="en-US" dirty="0" smtClean="0"/>
-              <a:t> Integration</a:t>
+              <a:t>OmniSharp Integration</a:t>
             </a:r>
             <a:endParaRPr lang="en-US" dirty="0"/>
           </a:p>
@@ -17890,15 +18570,7 @@
           <a:p>
             <a:r>
               <a:rPr lang="en-US" dirty="0" smtClean="0"/>
-              <a:t>Scaffolding </a:t>
-            </a:r>
-            <a:r>
-              <a:rPr lang="en-US" smtClean="0"/>
-              <a:t>Support for </a:t>
-            </a:r>
-            <a:r>
-              <a:rPr lang="en-US" dirty="0" smtClean="0"/>
-              <a:t>VS Code</a:t>
+              <a:t>Scaffolding Support for VS Code</a:t>
             </a:r>
             <a:endParaRPr lang="en-US" dirty="0"/>
           </a:p>
@@ -17923,7 +18595,7 @@
               <a:rPr lang="en-US" smtClean="0"/>
               <a:t>16</a:t>
             </a:fld>
-            <a:endParaRPr lang="en-US"/>
+            <a:endParaRPr lang="en-US" dirty="0"/>
           </a:p>
         </p:txBody>
       </p:sp>
@@ -18132,7 +18804,7 @@
               <a:rPr lang="en-US" smtClean="0"/>
               <a:t>17</a:t>
             </a:fld>
-            <a:endParaRPr lang="en-US"/>
+            <a:endParaRPr lang="en-US" dirty="0"/>
           </a:p>
         </p:txBody>
       </p:sp>
@@ -18303,7 +18975,7 @@
               <a:rPr lang="en-US" smtClean="0"/>
               <a:t>18</a:t>
             </a:fld>
-            <a:endParaRPr lang="en-US"/>
+            <a:endParaRPr lang="en-US" dirty="0"/>
           </a:p>
         </p:txBody>
       </p:sp>
@@ -18497,22 +19169,10 @@
           </a:p>
           <a:p>
             <a:r>
-              <a:rPr lang="en-US" dirty="0" err="1" smtClean="0">
-                <a:hlinkClick r:id="rId5"/>
-              </a:rPr>
-              <a:t>OmniSharp’s</a:t>
-            </a:r>
-            <a:r>
               <a:rPr lang="en-US" dirty="0" smtClean="0">
                 <a:hlinkClick r:id="rId5"/>
               </a:rPr>
-              <a:t> generator-</a:t>
-            </a:r>
-            <a:r>
-              <a:rPr lang="en-US" dirty="0" err="1" smtClean="0">
-                <a:hlinkClick r:id="rId5"/>
-              </a:rPr>
-              <a:t>aspnet</a:t>
+              <a:t>OmniSharp’s generator-aspnet</a:t>
             </a:r>
             <a:endParaRPr lang="en-US" dirty="0"/>
           </a:p>
@@ -18524,19 +19184,7 @@
               <a:rPr lang="en-US" dirty="0" smtClean="0">
                 <a:hlinkClick r:id="rId6"/>
               </a:rPr>
-              <a:t>VS Code </a:t>
-            </a:r>
-            <a:r>
-              <a:rPr lang="en-US" dirty="0" err="1" smtClean="0">
-                <a:hlinkClick r:id="rId6"/>
-              </a:rPr>
-              <a:t>Pluralsight</a:t>
-            </a:r>
-            <a:r>
-              <a:rPr lang="en-US" dirty="0" smtClean="0">
-                <a:hlinkClick r:id="rId6"/>
-              </a:rPr>
-              <a:t> course</a:t>
+              <a:t>VS Code Pluralsight course</a:t>
             </a:r>
             <a:endParaRPr lang="en-US" dirty="0" smtClean="0"/>
           </a:p>
@@ -18545,22 +19193,16 @@
           </a:p>
           <a:p>
             <a:r>
-              <a:rPr lang="en-US" dirty="0" err="1">
+              <a:rPr lang="en-US" dirty="0">
                 <a:hlinkClick r:id="rId7"/>
               </a:rPr>
               <a:t>d</a:t>
             </a:r>
             <a:r>
-              <a:rPr lang="en-US" dirty="0" err="1" smtClean="0">
-                <a:hlinkClick r:id="rId7"/>
-              </a:rPr>
-              <a:t>nx</a:t>
-            </a:r>
-            <a:r>
               <a:rPr lang="en-US" dirty="0" smtClean="0">
                 <a:hlinkClick r:id="rId7"/>
               </a:rPr>
-              <a:t>-watch w/ VS Code</a:t>
+              <a:t>nx-watch w/ VS Code</a:t>
             </a:r>
             <a:endParaRPr lang="en-US" dirty="0"/>
           </a:p>
@@ -18585,7 +19227,7 @@
               <a:rPr lang="en-US" smtClean="0"/>
               <a:t>19</a:t>
             </a:fld>
-            <a:endParaRPr lang="en-US"/>
+            <a:endParaRPr lang="en-US" dirty="0"/>
           </a:p>
         </p:txBody>
       </p:sp>
@@ -18754,25 +19396,7 @@
                 </a:solidFill>
                 <a:hlinkClick r:id="rId2"/>
               </a:rPr>
-              <a:t>GitHub.com/</a:t>
-            </a:r>
-            <a:r>
-              <a:rPr lang="en-US" dirty="0" err="1" smtClean="0">
-                <a:solidFill>
-                  <a:srgbClr val="FF0000"/>
-                </a:solidFill>
-                <a:hlinkClick r:id="rId2"/>
-              </a:rPr>
-              <a:t>scottaddie</a:t>
-            </a:r>
-            <a:r>
-              <a:rPr lang="en-US" dirty="0" smtClean="0">
-                <a:solidFill>
-                  <a:srgbClr val="FF0000"/>
-                </a:solidFill>
-                <a:hlinkClick r:id="rId2"/>
-              </a:rPr>
-              <a:t>/vscode-aspnet5</a:t>
+              <a:t>GitHub.com/scottaddie/vscode-aspnet5</a:t>
             </a:r>
             <a:endParaRPr lang="en-US" dirty="0" smtClean="0">
               <a:solidFill>
@@ -19159,7 +19783,7 @@
               <a:rPr lang="en-US" smtClean="0"/>
               <a:t>3</a:t>
             </a:fld>
-            <a:endParaRPr lang="en-US"/>
+            <a:endParaRPr lang="en-US" dirty="0"/>
           </a:p>
         </p:txBody>
       </p:sp>
@@ -19242,7 +19866,7 @@
               <a:rPr lang="en-US" smtClean="0"/>
               <a:t>4</a:t>
             </a:fld>
-            <a:endParaRPr lang="en-US"/>
+            <a:endParaRPr lang="en-US" dirty="0"/>
           </a:p>
         </p:txBody>
       </p:sp>
@@ -19955,15 +20579,7 @@
             <a:pPr lvl="1"/>
             <a:r>
               <a:rPr lang="en-US" dirty="0" smtClean="0"/>
-              <a:t>%USERPROFILE%\.</a:t>
-            </a:r>
-            <a:r>
-              <a:rPr lang="en-US" dirty="0" err="1" smtClean="0"/>
-              <a:t>dnx</a:t>
-            </a:r>
-            <a:r>
-              <a:rPr lang="en-US" dirty="0" smtClean="0"/>
-              <a:t>\runtimes</a:t>
+              <a:t>%USERPROFILE%\.dnx\runtimes</a:t>
             </a:r>
           </a:p>
           <a:p>
@@ -19984,10 +20600,9 @@
               <a:buAutoNum type="arabicPeriod"/>
             </a:pPr>
             <a:r>
-              <a:rPr lang="en-US" i="1" dirty="0" err="1" smtClean="0"/>
+              <a:rPr lang="en-US" i="1" dirty="0" smtClean="0"/>
               <a:t>Clr</a:t>
             </a:r>
-            <a:endParaRPr lang="en-US" i="1" dirty="0" smtClean="0"/>
           </a:p>
           <a:p>
             <a:pPr lvl="2"/>
@@ -20002,10 +20617,9 @@
               <a:buAutoNum type="arabicPeriod"/>
             </a:pPr>
             <a:r>
-              <a:rPr lang="en-US" i="1" dirty="0" err="1" smtClean="0"/>
+              <a:rPr lang="en-US" i="1" dirty="0" smtClean="0"/>
               <a:t>CoreClr</a:t>
             </a:r>
-            <a:endParaRPr lang="en-US" i="1" dirty="0" smtClean="0"/>
           </a:p>
           <a:p>
             <a:pPr lvl="2"/>
@@ -20035,7 +20649,7 @@
               <a:rPr lang="en-US" smtClean="0"/>
               <a:t>5</a:t>
             </a:fld>
-            <a:endParaRPr lang="en-US"/>
+            <a:endParaRPr lang="en-US" dirty="0"/>
           </a:p>
         </p:txBody>
       </p:sp>
@@ -20157,21 +20771,7 @@
                 <a:latin typeface="Consolas" panose="020B0609020204030204" pitchFamily="49" charset="0"/>
                 <a:cs typeface="Consolas" panose="020B0609020204030204" pitchFamily="49" charset="0"/>
               </a:rPr>
-              <a:t>&gt; </a:t>
-            </a:r>
-            <a:r>
-              <a:rPr lang="en-US" b="1" dirty="0" err="1" smtClean="0">
-                <a:latin typeface="Consolas" panose="020B0609020204030204" pitchFamily="49" charset="0"/>
-                <a:cs typeface="Consolas" panose="020B0609020204030204" pitchFamily="49" charset="0"/>
-              </a:rPr>
-              <a:t>dnvm</a:t>
-            </a:r>
-            <a:r>
-              <a:rPr lang="en-US" b="1" dirty="0" smtClean="0">
-                <a:latin typeface="Consolas" panose="020B0609020204030204" pitchFamily="49" charset="0"/>
-                <a:cs typeface="Consolas" panose="020B0609020204030204" pitchFamily="49" charset="0"/>
-              </a:rPr>
-              <a:t> list</a:t>
+              <a:t>&gt; dnvm list</a:t>
             </a:r>
           </a:p>
           <a:p>
@@ -20199,18 +20799,11 @@
               <a:t> </a:t>
             </a:r>
             <a:r>
-              <a:rPr lang="en-US" b="1" dirty="0" err="1" smtClean="0">
-                <a:latin typeface="Consolas" panose="020B0609020204030204" pitchFamily="49" charset="0"/>
-                <a:cs typeface="Consolas" panose="020B0609020204030204" pitchFamily="49" charset="0"/>
-              </a:rPr>
-              <a:t>dnvm</a:t>
-            </a:r>
-            <a:r>
               <a:rPr lang="en-US" b="1" dirty="0" smtClean="0">
                 <a:latin typeface="Consolas" panose="020B0609020204030204" pitchFamily="49" charset="0"/>
                 <a:cs typeface="Consolas" panose="020B0609020204030204" pitchFamily="49" charset="0"/>
               </a:rPr>
-              <a:t> use</a:t>
+              <a:t>dnvm use</a:t>
             </a:r>
           </a:p>
           <a:p>
@@ -20238,18 +20831,11 @@
               <a:t> </a:t>
             </a:r>
             <a:r>
-              <a:rPr lang="en-US" b="1" dirty="0" err="1" smtClean="0">
-                <a:latin typeface="Consolas" panose="020B0609020204030204" pitchFamily="49" charset="0"/>
-                <a:cs typeface="Consolas" panose="020B0609020204030204" pitchFamily="49" charset="0"/>
-              </a:rPr>
-              <a:t>dnvm</a:t>
-            </a:r>
-            <a:r>
               <a:rPr lang="en-US" b="1" dirty="0" smtClean="0">
                 <a:latin typeface="Consolas" panose="020B0609020204030204" pitchFamily="49" charset="0"/>
                 <a:cs typeface="Consolas" panose="020B0609020204030204" pitchFamily="49" charset="0"/>
               </a:rPr>
-              <a:t> uninstall </a:t>
+              <a:t>dnvm uninstall </a:t>
             </a:r>
           </a:p>
           <a:p>
@@ -20277,18 +20863,11 @@
               <a:t> </a:t>
             </a:r>
             <a:r>
-              <a:rPr lang="en-US" b="1" dirty="0" err="1" smtClean="0">
-                <a:latin typeface="Consolas" panose="020B0609020204030204" pitchFamily="49" charset="0"/>
-                <a:cs typeface="Consolas" panose="020B0609020204030204" pitchFamily="49" charset="0"/>
-              </a:rPr>
-              <a:t>dnvm</a:t>
-            </a:r>
-            <a:r>
               <a:rPr lang="en-US" b="1" dirty="0" smtClean="0">
                 <a:latin typeface="Consolas" panose="020B0609020204030204" pitchFamily="49" charset="0"/>
                 <a:cs typeface="Consolas" panose="020B0609020204030204" pitchFamily="49" charset="0"/>
               </a:rPr>
-              <a:t> update-self</a:t>
+              <a:t>dnvm update-self</a:t>
             </a:r>
             <a:endParaRPr lang="en-US" b="1" dirty="0">
               <a:latin typeface="Consolas" panose="020B0609020204030204" pitchFamily="49" charset="0"/>
@@ -20316,7 +20895,7 @@
               <a:rPr lang="en-US" smtClean="0"/>
               <a:t>6</a:t>
             </a:fld>
-            <a:endParaRPr lang="en-US"/>
+            <a:endParaRPr lang="en-US" dirty="0"/>
           </a:p>
         </p:txBody>
       </p:sp>
@@ -20439,21 +21018,7 @@
                 <a:latin typeface="Consolas" panose="020B0609020204030204" pitchFamily="49" charset="0"/>
                 <a:cs typeface="Consolas" panose="020B0609020204030204" pitchFamily="49" charset="0"/>
               </a:rPr>
-              <a:t> </a:t>
-            </a:r>
-            <a:r>
-              <a:rPr lang="en-US" b="1" dirty="0" err="1" smtClean="0">
-                <a:latin typeface="Consolas" panose="020B0609020204030204" pitchFamily="49" charset="0"/>
-                <a:cs typeface="Consolas" panose="020B0609020204030204" pitchFamily="49" charset="0"/>
-              </a:rPr>
-              <a:t>dnvm</a:t>
-            </a:r>
-            <a:r>
-              <a:rPr lang="en-US" b="1" dirty="0" smtClean="0">
-                <a:latin typeface="Consolas" panose="020B0609020204030204" pitchFamily="49" charset="0"/>
-                <a:cs typeface="Consolas" panose="020B0609020204030204" pitchFamily="49" charset="0"/>
-              </a:rPr>
-              <a:t> list</a:t>
+              <a:t> dnvm list</a:t>
             </a:r>
             <a:endParaRPr lang="en-US" b="1" dirty="0">
               <a:latin typeface="Consolas" panose="020B0609020204030204" pitchFamily="49" charset="0"/>
@@ -20481,7 +21046,7 @@
               <a:rPr lang="en-US" smtClean="0"/>
               <a:t>7</a:t>
             </a:fld>
-            <a:endParaRPr lang="en-US"/>
+            <a:endParaRPr lang="en-US" dirty="0"/>
           </a:p>
         </p:txBody>
       </p:sp>
@@ -20597,35 +21162,7 @@
                 <a:latin typeface="Consolas" panose="020B0609020204030204" pitchFamily="49" charset="0"/>
                 <a:cs typeface="Consolas" panose="020B0609020204030204" pitchFamily="49" charset="0"/>
               </a:rPr>
-              <a:t>&gt; </a:t>
-            </a:r>
-            <a:r>
-              <a:rPr lang="en-US" b="1" dirty="0" err="1" smtClean="0">
-                <a:latin typeface="Consolas" panose="020B0609020204030204" pitchFamily="49" charset="0"/>
-                <a:cs typeface="Consolas" panose="020B0609020204030204" pitchFamily="49" charset="0"/>
-              </a:rPr>
-              <a:t>dnvm</a:t>
-            </a:r>
-            <a:r>
-              <a:rPr lang="en-US" b="1" dirty="0" smtClean="0">
-                <a:latin typeface="Consolas" panose="020B0609020204030204" pitchFamily="49" charset="0"/>
-                <a:cs typeface="Consolas" panose="020B0609020204030204" pitchFamily="49" charset="0"/>
-              </a:rPr>
-              <a:t> use 1.0.0-beta8 –r </a:t>
-            </a:r>
-            <a:r>
-              <a:rPr lang="en-US" b="1" dirty="0" err="1" smtClean="0">
-                <a:latin typeface="Consolas" panose="020B0609020204030204" pitchFamily="49" charset="0"/>
-                <a:cs typeface="Consolas" panose="020B0609020204030204" pitchFamily="49" charset="0"/>
-              </a:rPr>
-              <a:t>coreclr</a:t>
-            </a:r>
-            <a:r>
-              <a:rPr lang="en-US" b="1" dirty="0" smtClean="0">
-                <a:latin typeface="Consolas" panose="020B0609020204030204" pitchFamily="49" charset="0"/>
-                <a:cs typeface="Consolas" panose="020B0609020204030204" pitchFamily="49" charset="0"/>
-              </a:rPr>
-              <a:t> –a x86 –p</a:t>
+              <a:t>&gt; dnvm use 1.0.0-beta8 –r coreclr –a x86 –p</a:t>
             </a:r>
           </a:p>
           <a:p>
@@ -20677,21 +21214,7 @@
                 <a:latin typeface="Consolas" panose="020B0609020204030204" pitchFamily="49" charset="0"/>
                 <a:cs typeface="Consolas" panose="020B0609020204030204" pitchFamily="49" charset="0"/>
               </a:rPr>
-              <a:t>&gt; </a:t>
-            </a:r>
-            <a:r>
-              <a:rPr lang="en-US" b="1" dirty="0" err="1" smtClean="0">
-                <a:latin typeface="Consolas" panose="020B0609020204030204" pitchFamily="49" charset="0"/>
-                <a:cs typeface="Consolas" panose="020B0609020204030204" pitchFamily="49" charset="0"/>
-              </a:rPr>
-              <a:t>dnx</a:t>
-            </a:r>
-            <a:r>
-              <a:rPr lang="en-US" b="1" dirty="0" smtClean="0">
-                <a:latin typeface="Consolas" panose="020B0609020204030204" pitchFamily="49" charset="0"/>
-                <a:cs typeface="Consolas" panose="020B0609020204030204" pitchFamily="49" charset="0"/>
-              </a:rPr>
-              <a:t> --version</a:t>
+              <a:t>&gt; dnx --version</a:t>
             </a:r>
             <a:endParaRPr lang="en-US" b="1" dirty="0">
               <a:latin typeface="Consolas" panose="020B0609020204030204" pitchFamily="49" charset="0"/>
@@ -20719,7 +21242,7 @@
               <a:rPr lang="en-US" smtClean="0"/>
               <a:t>8</a:t>
             </a:fld>
-            <a:endParaRPr lang="en-US"/>
+            <a:endParaRPr lang="en-US" dirty="0"/>
           </a:p>
         </p:txBody>
       </p:sp>
@@ -20853,8 +21376,19 @@
           <a:p>
             <a:r>
               <a:rPr lang="en-US" dirty="0" smtClean="0"/>
-              <a:t>SDK &amp; runtime environment</a:t>
+              <a:t>SDK </a:t>
             </a:r>
+            <a:r>
+              <a:rPr lang="en-US" dirty="0" smtClean="0"/>
+              <a:t>&amp; runtime </a:t>
+            </a:r>
+            <a:r>
+              <a:rPr lang="en-US" dirty="0" smtClean="0"/>
+              <a:t>environment</a:t>
+            </a:r>
+          </a:p>
+          <a:p>
+            <a:endParaRPr lang="en-US" dirty="0" smtClean="0"/>
           </a:p>
           <a:p>
             <a:r>
@@ -20863,35 +21397,65 @@
             </a:r>
           </a:p>
           <a:p>
+            <a:endParaRPr lang="en-US" dirty="0" smtClean="0"/>
+          </a:p>
+          <a:p>
             <a:r>
               <a:rPr lang="en-US" dirty="0" smtClean="0"/>
-              <a:t>Original intent = running </a:t>
-            </a:r>
-            <a:r>
-              <a:rPr lang="en-US" dirty="0" err="1" smtClean="0"/>
-              <a:t>xplat</a:t>
+              <a:t>Original </a:t>
             </a:r>
             <a:r>
               <a:rPr lang="en-US" dirty="0" smtClean="0"/>
-              <a:t> ASP.NET web apps</a:t>
+              <a:t>intent = running </a:t>
+            </a:r>
+            <a:r>
+              <a:rPr lang="en-US" dirty="0" smtClean="0"/>
+              <a:t>X-P</a:t>
+            </a:r>
+            <a:r>
+              <a:rPr lang="en-US" dirty="0" smtClean="0"/>
+              <a:t>lat </a:t>
+            </a:r>
+            <a:r>
+              <a:rPr lang="en-US" dirty="0" smtClean="0"/>
+              <a:t>ASP.NET web apps</a:t>
             </a:r>
           </a:p>
           <a:p>
             <a:pPr lvl="1"/>
             <a:r>
               <a:rPr lang="en-US" dirty="0" smtClean="0"/>
-              <a:t>Can run other types of .NET apps (</a:t>
-            </a:r>
-            <a:r>
-              <a:rPr lang="en-US" dirty="0" err="1" smtClean="0"/>
-              <a:t>xplat</a:t>
+              <a:t>Can run other types of .NET apps </a:t>
             </a:r>
             <a:r>
               <a:rPr lang="en-US" dirty="0" smtClean="0"/>
-              <a:t> console apps, etc.)</a:t>
+              <a:t>(</a:t>
             </a:r>
-          </a:p>
-          <a:p>
+            <a:r>
+              <a:rPr lang="en-US" dirty="0" smtClean="0"/>
+              <a:t>X-P</a:t>
+            </a:r>
+            <a:r>
+              <a:rPr lang="en-US" dirty="0" smtClean="0"/>
+              <a:t>lat </a:t>
+            </a:r>
+            <a:r>
+              <a:rPr lang="en-US" dirty="0" smtClean="0"/>
+              <a:t>console apps, etc.)</a:t>
+            </a:r>
+          </a:p>
+          <a:p>
+            <a:endParaRPr lang="en-US" dirty="0" smtClean="0"/>
+          </a:p>
+          <a:p>
+            <a:r>
+              <a:rPr lang="en-US" dirty="0"/>
+              <a:t>Not a rapper from the late ‘</a:t>
+            </a:r>
+            <a:r>
+              <a:rPr lang="en-US" dirty="0" smtClean="0"/>
+              <a:t>90s</a:t>
+            </a:r>
             <a:endParaRPr lang="en-US" dirty="0"/>
           </a:p>
         </p:txBody>
@@ -20915,10 +21479,51 @@
               <a:rPr lang="en-US" smtClean="0"/>
               <a:t>9</a:t>
             </a:fld>
-            <a:endParaRPr lang="en-US"/>
+            <a:endParaRPr lang="en-US" dirty="0"/>
           </a:p>
         </p:txBody>
       </p:sp>
+      <p:pic>
+        <p:nvPicPr>
+          <p:cNvPr id="1026" name="Picture 2" descr="https://i.ytimg.com/vi/l9nWWDlgCO0/maxresdefault.jpg"/>
+          <p:cNvPicPr>
+            <a:picLocks noChangeAspect="1" noChangeArrowheads="1"/>
+          </p:cNvPicPr>
+          <p:nvPr/>
+        </p:nvPicPr>
+        <p:blipFill>
+          <a:blip r:embed="rId2" cstate="print">
+            <a:extLst>
+              <a:ext uri="{28A0092B-C50C-407E-A947-70E740481C1C}">
+                <a14:useLocalDpi xmlns:a14="http://schemas.microsoft.com/office/drawing/2010/main" val="0"/>
+              </a:ext>
+            </a:extLst>
+          </a:blip>
+          <a:srcRect/>
+          <a:stretch>
+            <a:fillRect/>
+          </a:stretch>
+        </p:blipFill>
+        <p:spPr bwMode="auto">
+          <a:xfrm>
+            <a:off x="4817659" y="4376977"/>
+            <a:ext cx="2311021" cy="2289953"/>
+          </a:xfrm>
+          <a:prstGeom prst="rect">
+            <a:avLst/>
+          </a:prstGeom>
+          <a:noFill/>
+          <a:extLst>
+            <a:ext uri="{909E8E84-426E-40DD-AFC4-6F175D3DCCD1}">
+              <a14:hiddenFill xmlns:a14="http://schemas.microsoft.com/office/drawing/2010/main">
+                <a:solidFill>
+                  <a:srgbClr val="FFFFFF"/>
+                </a:solidFill>
+              </a14:hiddenFill>
+            </a:ext>
+          </a:extLst>
+        </p:spPr>
+      </p:pic>
     </p:spTree>
     <p:extLst>
       <p:ext uri="{BB962C8B-B14F-4D97-AF65-F5344CB8AC3E}">
@@ -20932,9 +21537,307 @@
   <p:timing>
     <p:tnLst>
       <p:par>
-        <p:cTn id="1" dur="indefinite" restart="never" nodeType="tmRoot"/>
+        <p:cTn id="1" dur="indefinite" restart="never" nodeType="tmRoot">
+          <p:childTnLst>
+            <p:seq concurrent="1" nextAc="seek">
+              <p:cTn id="2" dur="indefinite" nodeType="mainSeq">
+                <p:childTnLst>
+                  <p:par>
+                    <p:cTn id="3" fill="hold">
+                      <p:stCondLst>
+                        <p:cond delay="indefinite"/>
+                      </p:stCondLst>
+                      <p:childTnLst>
+                        <p:par>
+                          <p:cTn id="4" fill="hold">
+                            <p:stCondLst>
+                              <p:cond delay="0"/>
+                            </p:stCondLst>
+                            <p:childTnLst>
+                              <p:par>
+                                <p:cTn id="5" presetID="1" presetClass="entr" presetSubtype="0" fill="hold" grpId="0" nodeType="clickEffect">
+                                  <p:stCondLst>
+                                    <p:cond delay="0"/>
+                                  </p:stCondLst>
+                                  <p:childTnLst>
+                                    <p:set>
+                                      <p:cBhvr>
+                                        <p:cTn id="6" dur="1" fill="hold">
+                                          <p:stCondLst>
+                                            <p:cond delay="0"/>
+                                          </p:stCondLst>
+                                        </p:cTn>
+                                        <p:tgtEl>
+                                          <p:spTgt spid="3">
+                                            <p:txEl>
+                                              <p:pRg st="0" end="0"/>
+                                            </p:txEl>
+                                          </p:spTgt>
+                                        </p:tgtEl>
+                                        <p:attrNameLst>
+                                          <p:attrName>style.visibility</p:attrName>
+                                        </p:attrNameLst>
+                                      </p:cBhvr>
+                                      <p:to>
+                                        <p:strVal val="visible"/>
+                                      </p:to>
+                                    </p:set>
+                                  </p:childTnLst>
+                                </p:cTn>
+                              </p:par>
+                            </p:childTnLst>
+                          </p:cTn>
+                        </p:par>
+                      </p:childTnLst>
+                    </p:cTn>
+                  </p:par>
+                  <p:par>
+                    <p:cTn id="7" fill="hold">
+                      <p:stCondLst>
+                        <p:cond delay="indefinite"/>
+                      </p:stCondLst>
+                      <p:childTnLst>
+                        <p:par>
+                          <p:cTn id="8" fill="hold">
+                            <p:stCondLst>
+                              <p:cond delay="0"/>
+                            </p:stCondLst>
+                            <p:childTnLst>
+                              <p:par>
+                                <p:cTn id="9" presetID="1" presetClass="entr" presetSubtype="0" fill="hold" grpId="0" nodeType="clickEffect">
+                                  <p:stCondLst>
+                                    <p:cond delay="0"/>
+                                  </p:stCondLst>
+                                  <p:childTnLst>
+                                    <p:set>
+                                      <p:cBhvr>
+                                        <p:cTn id="10" dur="1" fill="hold">
+                                          <p:stCondLst>
+                                            <p:cond delay="0"/>
+                                          </p:stCondLst>
+                                        </p:cTn>
+                                        <p:tgtEl>
+                                          <p:spTgt spid="3">
+                                            <p:txEl>
+                                              <p:pRg st="2" end="2"/>
+                                            </p:txEl>
+                                          </p:spTgt>
+                                        </p:tgtEl>
+                                        <p:attrNameLst>
+                                          <p:attrName>style.visibility</p:attrName>
+                                        </p:attrNameLst>
+                                      </p:cBhvr>
+                                      <p:to>
+                                        <p:strVal val="visible"/>
+                                      </p:to>
+                                    </p:set>
+                                  </p:childTnLst>
+                                </p:cTn>
+                              </p:par>
+                            </p:childTnLst>
+                          </p:cTn>
+                        </p:par>
+                      </p:childTnLst>
+                    </p:cTn>
+                  </p:par>
+                  <p:par>
+                    <p:cTn id="11" fill="hold">
+                      <p:stCondLst>
+                        <p:cond delay="indefinite"/>
+                      </p:stCondLst>
+                      <p:childTnLst>
+                        <p:par>
+                          <p:cTn id="12" fill="hold">
+                            <p:stCondLst>
+                              <p:cond delay="0"/>
+                            </p:stCondLst>
+                            <p:childTnLst>
+                              <p:par>
+                                <p:cTn id="13" presetID="1" presetClass="entr" presetSubtype="0" fill="hold" grpId="0" nodeType="clickEffect">
+                                  <p:stCondLst>
+                                    <p:cond delay="0"/>
+                                  </p:stCondLst>
+                                  <p:childTnLst>
+                                    <p:set>
+                                      <p:cBhvr>
+                                        <p:cTn id="14" dur="1" fill="hold">
+                                          <p:stCondLst>
+                                            <p:cond delay="0"/>
+                                          </p:stCondLst>
+                                        </p:cTn>
+                                        <p:tgtEl>
+                                          <p:spTgt spid="3">
+                                            <p:txEl>
+                                              <p:pRg st="4" end="4"/>
+                                            </p:txEl>
+                                          </p:spTgt>
+                                        </p:tgtEl>
+                                        <p:attrNameLst>
+                                          <p:attrName>style.visibility</p:attrName>
+                                        </p:attrNameLst>
+                                      </p:cBhvr>
+                                      <p:to>
+                                        <p:strVal val="visible"/>
+                                      </p:to>
+                                    </p:set>
+                                  </p:childTnLst>
+                                </p:cTn>
+                              </p:par>
+                              <p:par>
+                                <p:cTn id="15" presetID="1" presetClass="entr" presetSubtype="0" fill="hold" grpId="0" nodeType="withEffect">
+                                  <p:stCondLst>
+                                    <p:cond delay="0"/>
+                                  </p:stCondLst>
+                                  <p:childTnLst>
+                                    <p:set>
+                                      <p:cBhvr>
+                                        <p:cTn id="16" dur="1" fill="hold">
+                                          <p:stCondLst>
+                                            <p:cond delay="0"/>
+                                          </p:stCondLst>
+                                        </p:cTn>
+                                        <p:tgtEl>
+                                          <p:spTgt spid="3">
+                                            <p:txEl>
+                                              <p:pRg st="5" end="5"/>
+                                            </p:txEl>
+                                          </p:spTgt>
+                                        </p:tgtEl>
+                                        <p:attrNameLst>
+                                          <p:attrName>style.visibility</p:attrName>
+                                        </p:attrNameLst>
+                                      </p:cBhvr>
+                                      <p:to>
+                                        <p:strVal val="visible"/>
+                                      </p:to>
+                                    </p:set>
+                                  </p:childTnLst>
+                                </p:cTn>
+                              </p:par>
+                            </p:childTnLst>
+                          </p:cTn>
+                        </p:par>
+                      </p:childTnLst>
+                    </p:cTn>
+                  </p:par>
+                  <p:par>
+                    <p:cTn id="17" fill="hold">
+                      <p:stCondLst>
+                        <p:cond delay="indefinite"/>
+                      </p:stCondLst>
+                      <p:childTnLst>
+                        <p:par>
+                          <p:cTn id="18" fill="hold">
+                            <p:stCondLst>
+                              <p:cond delay="0"/>
+                            </p:stCondLst>
+                            <p:childTnLst>
+                              <p:par>
+                                <p:cTn id="19" presetID="1" presetClass="entr" presetSubtype="0" fill="hold" grpId="0" nodeType="clickEffect">
+                                  <p:stCondLst>
+                                    <p:cond delay="0"/>
+                                  </p:stCondLst>
+                                  <p:childTnLst>
+                                    <p:set>
+                                      <p:cBhvr>
+                                        <p:cTn id="20" dur="1" fill="hold">
+                                          <p:stCondLst>
+                                            <p:cond delay="0"/>
+                                          </p:stCondLst>
+                                        </p:cTn>
+                                        <p:tgtEl>
+                                          <p:spTgt spid="3">
+                                            <p:txEl>
+                                              <p:pRg st="7" end="7"/>
+                                            </p:txEl>
+                                          </p:spTgt>
+                                        </p:tgtEl>
+                                        <p:attrNameLst>
+                                          <p:attrName>style.visibility</p:attrName>
+                                        </p:attrNameLst>
+                                      </p:cBhvr>
+                                      <p:to>
+                                        <p:strVal val="visible"/>
+                                      </p:to>
+                                    </p:set>
+                                  </p:childTnLst>
+                                </p:cTn>
+                              </p:par>
+                            </p:childTnLst>
+                          </p:cTn>
+                        </p:par>
+                      </p:childTnLst>
+                    </p:cTn>
+                  </p:par>
+                  <p:par>
+                    <p:cTn id="21" fill="hold">
+                      <p:stCondLst>
+                        <p:cond delay="indefinite"/>
+                      </p:stCondLst>
+                      <p:childTnLst>
+                        <p:par>
+                          <p:cTn id="22" fill="hold">
+                            <p:stCondLst>
+                              <p:cond delay="0"/>
+                            </p:stCondLst>
+                            <p:childTnLst>
+                              <p:par>
+                                <p:cTn id="23" presetID="1" presetClass="entr" presetSubtype="0" fill="hold" nodeType="clickEffect">
+                                  <p:stCondLst>
+                                    <p:cond delay="0"/>
+                                  </p:stCondLst>
+                                  <p:childTnLst>
+                                    <p:set>
+                                      <p:cBhvr>
+                                        <p:cTn id="24" dur="1" fill="hold">
+                                          <p:stCondLst>
+                                            <p:cond delay="0"/>
+                                          </p:stCondLst>
+                                        </p:cTn>
+                                        <p:tgtEl>
+                                          <p:spTgt spid="1026"/>
+                                        </p:tgtEl>
+                                        <p:attrNameLst>
+                                          <p:attrName>style.visibility</p:attrName>
+                                        </p:attrNameLst>
+                                      </p:cBhvr>
+                                      <p:to>
+                                        <p:strVal val="visible"/>
+                                      </p:to>
+                                    </p:set>
+                                  </p:childTnLst>
+                                </p:cTn>
+                              </p:par>
+                            </p:childTnLst>
+                          </p:cTn>
+                        </p:par>
+                      </p:childTnLst>
+                    </p:cTn>
+                  </p:par>
+                </p:childTnLst>
+              </p:cTn>
+              <p:prevCondLst>
+                <p:cond evt="onPrev" delay="0">
+                  <p:tgtEl>
+                    <p:sldTgt/>
+                  </p:tgtEl>
+                </p:cond>
+              </p:prevCondLst>
+              <p:nextCondLst>
+                <p:cond evt="onNext" delay="0">
+                  <p:tgtEl>
+                    <p:sldTgt/>
+                  </p:tgtEl>
+                </p:cond>
+              </p:nextCondLst>
+            </p:seq>
+          </p:childTnLst>
+        </p:cTn>
       </p:par>
     </p:tnLst>
+    <p:bldLst>
+      <p:bldP spid="3" grpId="0" build="p"/>
+    </p:bldLst>
   </p:timing>
 </p:sld>
 </file>
